--- a/04 - GPT(四).pptx
+++ b/04 - GPT(四).pptx
@@ -5,10 +5,10 @@
     <p:sldMasterId id="2147483648" r:id="rId1"/>
   </p:sldMasterIdLst>
   <p:notesMasterIdLst>
-    <p:notesMasterId r:id="rId50"/>
+    <p:notesMasterId r:id="rId55"/>
   </p:notesMasterIdLst>
   <p:handoutMasterIdLst>
-    <p:handoutMasterId r:id="rId51"/>
+    <p:handoutMasterId r:id="rId56"/>
   </p:handoutMasterIdLst>
   <p:sldIdLst>
     <p:sldId id="600" r:id="rId2"/>
@@ -59,6 +59,11 @@
     <p:sldId id="1098" r:id="rId47"/>
     <p:sldId id="1099" r:id="rId48"/>
     <p:sldId id="1100" r:id="rId49"/>
+    <p:sldId id="1101" r:id="rId50"/>
+    <p:sldId id="1102" r:id="rId51"/>
+    <p:sldId id="1103" r:id="rId52"/>
+    <p:sldId id="1104" r:id="rId53"/>
+    <p:sldId id="1105" r:id="rId54"/>
   </p:sldIdLst>
   <p:sldSz cx="9144000" cy="6858000" type="screen4x3"/>
   <p:notesSz cx="6858000" cy="9144000"/>
@@ -273,7 +278,7 @@
             <a:fld id="{68F88C59-319B-4332-9A1D-2A62CFCB00D8}" type="datetimeFigureOut">
               <a:rPr lang="en-US" smtClean="0"/>
               <a:pPr/>
-              <a:t>5/14/2023</a:t>
+              <a:t>5/22/2023</a:t>
             </a:fld>
             <a:endParaRPr lang="en-US" dirty="0"/>
           </a:p>
@@ -444,7 +449,7 @@
             <a:fld id="{968B300D-05F0-4B43-940D-46DED5A791AD}" type="datetimeFigureOut">
               <a:rPr lang="en-US" smtClean="0"/>
               <a:pPr/>
-              <a:t>5/14/2023</a:t>
+              <a:t>5/22/2023</a:t>
             </a:fld>
             <a:endParaRPr lang="en-US" dirty="0"/>
           </a:p>
@@ -3963,6 +3968,354 @@
 </p:notes>
 </file>
 
+<file path=ppt/notesSlides/notesSlide44.xml><?xml version="1.0" encoding="utf-8"?>
+<p:notes xmlns:a="http://schemas.openxmlformats.org/drawingml/2006/main" xmlns:r="http://schemas.openxmlformats.org/officeDocument/2006/relationships" xmlns:p="http://schemas.openxmlformats.org/presentationml/2006/main">
+  <p:cSld>
+    <p:spTree>
+      <p:nvGrpSpPr>
+        <p:cNvPr id="1" name=""/>
+        <p:cNvGrpSpPr/>
+        <p:nvPr/>
+      </p:nvGrpSpPr>
+      <p:grpSpPr>
+        <a:xfrm>
+          <a:off x="0" y="0"/>
+          <a:ext cx="0" cy="0"/>
+          <a:chOff x="0" y="0"/>
+          <a:chExt cx="0" cy="0"/>
+        </a:xfrm>
+      </p:grpSpPr>
+      <p:sp>
+        <p:nvSpPr>
+          <p:cNvPr id="2" name="投影片圖像版面配置區 1"/>
+          <p:cNvSpPr>
+            <a:spLocks noGrp="1" noRot="1" noChangeAspect="1"/>
+          </p:cNvSpPr>
+          <p:nvPr>
+            <p:ph type="sldImg"/>
+          </p:nvPr>
+        </p:nvSpPr>
+        <p:spPr/>
+      </p:sp>
+      <p:sp>
+        <p:nvSpPr>
+          <p:cNvPr id="3" name="備忘稿版面配置區 2"/>
+          <p:cNvSpPr>
+            <a:spLocks noGrp="1"/>
+          </p:cNvSpPr>
+          <p:nvPr>
+            <p:ph type="body" idx="1"/>
+          </p:nvPr>
+        </p:nvSpPr>
+        <p:spPr/>
+        <p:txBody>
+          <a:bodyPr/>
+          <a:lstStyle/>
+          <a:p>
+            <a:r>
+              <a:rPr lang="en-US" altLang="zh-TW" dirty="0"/>
+              <a:t>https://www.techbang.com/posts/44430-three-laws-of-robotics-is-too-simple-google-ceo-made-ai-ten-principles</a:t>
+            </a:r>
+            <a:endParaRPr lang="zh-TW" altLang="en-US" dirty="0"/>
+          </a:p>
+        </p:txBody>
+      </p:sp>
+      <p:sp>
+        <p:nvSpPr>
+          <p:cNvPr id="4" name="投影片編號版面配置區 3"/>
+          <p:cNvSpPr>
+            <a:spLocks noGrp="1"/>
+          </p:cNvSpPr>
+          <p:nvPr>
+            <p:ph type="sldNum" sz="quarter" idx="10"/>
+          </p:nvPr>
+        </p:nvSpPr>
+        <p:spPr/>
+        <p:txBody>
+          <a:bodyPr/>
+          <a:lstStyle/>
+          <a:p>
+            <a:fld id="{9B26CD33-4337-4529-948A-94F6960B2374}" type="slidenum">
+              <a:rPr lang="en-US" smtClean="0"/>
+              <a:pPr/>
+              <a:t>49</a:t>
+            </a:fld>
+            <a:endParaRPr lang="en-US" dirty="0"/>
+          </a:p>
+        </p:txBody>
+      </p:sp>
+    </p:spTree>
+    <p:extLst>
+      <p:ext uri="{BB962C8B-B14F-4D97-AF65-F5344CB8AC3E}">
+        <p14:creationId xmlns:p14="http://schemas.microsoft.com/office/powerpoint/2010/main" val="662089277"/>
+      </p:ext>
+    </p:extLst>
+  </p:cSld>
+  <p:clrMapOvr>
+    <a:masterClrMapping/>
+  </p:clrMapOvr>
+</p:notes>
+</file>
+
+<file path=ppt/notesSlides/notesSlide45.xml><?xml version="1.0" encoding="utf-8"?>
+<p:notes xmlns:a="http://schemas.openxmlformats.org/drawingml/2006/main" xmlns:r="http://schemas.openxmlformats.org/officeDocument/2006/relationships" xmlns:p="http://schemas.openxmlformats.org/presentationml/2006/main">
+  <p:cSld>
+    <p:spTree>
+      <p:nvGrpSpPr>
+        <p:cNvPr id="1" name=""/>
+        <p:cNvGrpSpPr/>
+        <p:nvPr/>
+      </p:nvGrpSpPr>
+      <p:grpSpPr>
+        <a:xfrm>
+          <a:off x="0" y="0"/>
+          <a:ext cx="0" cy="0"/>
+          <a:chOff x="0" y="0"/>
+          <a:chExt cx="0" cy="0"/>
+        </a:xfrm>
+      </p:grpSpPr>
+      <p:sp>
+        <p:nvSpPr>
+          <p:cNvPr id="2" name="投影片圖像版面配置區 1"/>
+          <p:cNvSpPr>
+            <a:spLocks noGrp="1" noRot="1" noChangeAspect="1"/>
+          </p:cNvSpPr>
+          <p:nvPr>
+            <p:ph type="sldImg"/>
+          </p:nvPr>
+        </p:nvSpPr>
+        <p:spPr/>
+      </p:sp>
+      <p:sp>
+        <p:nvSpPr>
+          <p:cNvPr id="3" name="備忘稿版面配置區 2"/>
+          <p:cNvSpPr>
+            <a:spLocks noGrp="1"/>
+          </p:cNvSpPr>
+          <p:nvPr>
+            <p:ph type="body" idx="1"/>
+          </p:nvPr>
+        </p:nvSpPr>
+        <p:spPr/>
+        <p:txBody>
+          <a:bodyPr/>
+          <a:lstStyle/>
+          <a:p>
+            <a:r>
+              <a:rPr lang="en-US" altLang="zh-TW" dirty="0"/>
+              <a:t>https://www.techbang.com/posts/44430-three-laws-of-robotics-is-too-simple-google-ceo-made-ai-ten-principles</a:t>
+            </a:r>
+            <a:endParaRPr lang="zh-TW" altLang="en-US" dirty="0"/>
+          </a:p>
+        </p:txBody>
+      </p:sp>
+      <p:sp>
+        <p:nvSpPr>
+          <p:cNvPr id="4" name="投影片編號版面配置區 3"/>
+          <p:cNvSpPr>
+            <a:spLocks noGrp="1"/>
+          </p:cNvSpPr>
+          <p:nvPr>
+            <p:ph type="sldNum" sz="quarter" idx="10"/>
+          </p:nvPr>
+        </p:nvSpPr>
+        <p:spPr/>
+        <p:txBody>
+          <a:bodyPr/>
+          <a:lstStyle/>
+          <a:p>
+            <a:fld id="{9B26CD33-4337-4529-948A-94F6960B2374}" type="slidenum">
+              <a:rPr lang="en-US" smtClean="0"/>
+              <a:pPr/>
+              <a:t>51</a:t>
+            </a:fld>
+            <a:endParaRPr lang="en-US" dirty="0"/>
+          </a:p>
+        </p:txBody>
+      </p:sp>
+    </p:spTree>
+    <p:extLst>
+      <p:ext uri="{BB962C8B-B14F-4D97-AF65-F5344CB8AC3E}">
+        <p14:creationId xmlns:p14="http://schemas.microsoft.com/office/powerpoint/2010/main" val="4013621828"/>
+      </p:ext>
+    </p:extLst>
+  </p:cSld>
+  <p:clrMapOvr>
+    <a:masterClrMapping/>
+  </p:clrMapOvr>
+</p:notes>
+</file>
+
+<file path=ppt/notesSlides/notesSlide46.xml><?xml version="1.0" encoding="utf-8"?>
+<p:notes xmlns:a="http://schemas.openxmlformats.org/drawingml/2006/main" xmlns:r="http://schemas.openxmlformats.org/officeDocument/2006/relationships" xmlns:p="http://schemas.openxmlformats.org/presentationml/2006/main">
+  <p:cSld>
+    <p:spTree>
+      <p:nvGrpSpPr>
+        <p:cNvPr id="1" name=""/>
+        <p:cNvGrpSpPr/>
+        <p:nvPr/>
+      </p:nvGrpSpPr>
+      <p:grpSpPr>
+        <a:xfrm>
+          <a:off x="0" y="0"/>
+          <a:ext cx="0" cy="0"/>
+          <a:chOff x="0" y="0"/>
+          <a:chExt cx="0" cy="0"/>
+        </a:xfrm>
+      </p:grpSpPr>
+      <p:sp>
+        <p:nvSpPr>
+          <p:cNvPr id="2" name="投影片圖像版面配置區 1"/>
+          <p:cNvSpPr>
+            <a:spLocks noGrp="1" noRot="1" noChangeAspect="1"/>
+          </p:cNvSpPr>
+          <p:nvPr>
+            <p:ph type="sldImg"/>
+          </p:nvPr>
+        </p:nvSpPr>
+        <p:spPr/>
+      </p:sp>
+      <p:sp>
+        <p:nvSpPr>
+          <p:cNvPr id="3" name="備忘稿版面配置區 2"/>
+          <p:cNvSpPr>
+            <a:spLocks noGrp="1"/>
+          </p:cNvSpPr>
+          <p:nvPr>
+            <p:ph type="body" idx="1"/>
+          </p:nvPr>
+        </p:nvSpPr>
+        <p:spPr/>
+        <p:txBody>
+          <a:bodyPr/>
+          <a:lstStyle/>
+          <a:p>
+            <a:endParaRPr lang="zh-TW" altLang="en-US" dirty="0"/>
+          </a:p>
+        </p:txBody>
+      </p:sp>
+      <p:sp>
+        <p:nvSpPr>
+          <p:cNvPr id="4" name="投影片編號版面配置區 3"/>
+          <p:cNvSpPr>
+            <a:spLocks noGrp="1"/>
+          </p:cNvSpPr>
+          <p:nvPr>
+            <p:ph type="sldNum" sz="quarter" idx="10"/>
+          </p:nvPr>
+        </p:nvSpPr>
+        <p:spPr/>
+        <p:txBody>
+          <a:bodyPr/>
+          <a:lstStyle/>
+          <a:p>
+            <a:fld id="{9B26CD33-4337-4529-948A-94F6960B2374}" type="slidenum">
+              <a:rPr lang="en-US" smtClean="0"/>
+              <a:pPr/>
+              <a:t>52</a:t>
+            </a:fld>
+            <a:endParaRPr lang="en-US" dirty="0"/>
+          </a:p>
+        </p:txBody>
+      </p:sp>
+    </p:spTree>
+    <p:extLst>
+      <p:ext uri="{BB962C8B-B14F-4D97-AF65-F5344CB8AC3E}">
+        <p14:creationId xmlns:p14="http://schemas.microsoft.com/office/powerpoint/2010/main" val="4223590587"/>
+      </p:ext>
+    </p:extLst>
+  </p:cSld>
+  <p:clrMapOvr>
+    <a:masterClrMapping/>
+  </p:clrMapOvr>
+</p:notes>
+</file>
+
+<file path=ppt/notesSlides/notesSlide47.xml><?xml version="1.0" encoding="utf-8"?>
+<p:notes xmlns:a="http://schemas.openxmlformats.org/drawingml/2006/main" xmlns:r="http://schemas.openxmlformats.org/officeDocument/2006/relationships" xmlns:p="http://schemas.openxmlformats.org/presentationml/2006/main">
+  <p:cSld>
+    <p:spTree>
+      <p:nvGrpSpPr>
+        <p:cNvPr id="1" name=""/>
+        <p:cNvGrpSpPr/>
+        <p:nvPr/>
+      </p:nvGrpSpPr>
+      <p:grpSpPr>
+        <a:xfrm>
+          <a:off x="0" y="0"/>
+          <a:ext cx="0" cy="0"/>
+          <a:chOff x="0" y="0"/>
+          <a:chExt cx="0" cy="0"/>
+        </a:xfrm>
+      </p:grpSpPr>
+      <p:sp>
+        <p:nvSpPr>
+          <p:cNvPr id="2" name="投影片圖像版面配置區 1"/>
+          <p:cNvSpPr>
+            <a:spLocks noGrp="1" noRot="1" noChangeAspect="1"/>
+          </p:cNvSpPr>
+          <p:nvPr>
+            <p:ph type="sldImg"/>
+          </p:nvPr>
+        </p:nvSpPr>
+        <p:spPr/>
+      </p:sp>
+      <p:sp>
+        <p:nvSpPr>
+          <p:cNvPr id="3" name="備忘稿版面配置區 2"/>
+          <p:cNvSpPr>
+            <a:spLocks noGrp="1"/>
+          </p:cNvSpPr>
+          <p:nvPr>
+            <p:ph type="body" idx="1"/>
+          </p:nvPr>
+        </p:nvSpPr>
+        <p:spPr/>
+        <p:txBody>
+          <a:bodyPr/>
+          <a:lstStyle/>
+          <a:p>
+            <a:endParaRPr lang="zh-TW" altLang="en-US" dirty="0"/>
+          </a:p>
+        </p:txBody>
+      </p:sp>
+      <p:sp>
+        <p:nvSpPr>
+          <p:cNvPr id="4" name="投影片編號版面配置區 3"/>
+          <p:cNvSpPr>
+            <a:spLocks noGrp="1"/>
+          </p:cNvSpPr>
+          <p:nvPr>
+            <p:ph type="sldNum" sz="quarter" idx="10"/>
+          </p:nvPr>
+        </p:nvSpPr>
+        <p:spPr/>
+        <p:txBody>
+          <a:bodyPr/>
+          <a:lstStyle/>
+          <a:p>
+            <a:fld id="{9B26CD33-4337-4529-948A-94F6960B2374}" type="slidenum">
+              <a:rPr lang="en-US" smtClean="0"/>
+              <a:pPr/>
+              <a:t>53</a:t>
+            </a:fld>
+            <a:endParaRPr lang="en-US" dirty="0"/>
+          </a:p>
+        </p:txBody>
+      </p:sp>
+    </p:spTree>
+    <p:extLst>
+      <p:ext uri="{BB962C8B-B14F-4D97-AF65-F5344CB8AC3E}">
+        <p14:creationId xmlns:p14="http://schemas.microsoft.com/office/powerpoint/2010/main" val="1762836526"/>
+      </p:ext>
+    </p:extLst>
+  </p:cSld>
+  <p:clrMapOvr>
+    <a:masterClrMapping/>
+  </p:clrMapOvr>
+</p:notes>
+</file>
+
 <file path=ppt/notesSlides/notesSlide5.xml><?xml version="1.0" encoding="utf-8"?>
 <p:notes xmlns:a="http://schemas.openxmlformats.org/drawingml/2006/main" xmlns:r="http://schemas.openxmlformats.org/officeDocument/2006/relationships" xmlns:p="http://schemas.openxmlformats.org/presentationml/2006/main">
   <p:cSld>
@@ -4695,7 +5048,7 @@
                   <a:schemeClr val="tx2"/>
                 </a:solidFill>
               </a:rPr>
-              <a:t>5/14/2023</a:t>
+              <a:t>5/22/2023</a:t>
             </a:fld>
             <a:endParaRPr kumimoji="0" lang="en-US" dirty="0"/>
           </a:p>
@@ -5085,7 +5438,7 @@
                   <a:schemeClr val="tx2"/>
                 </a:solidFill>
               </a:rPr>
-              <a:t>5/14/2023</a:t>
+              <a:t>5/22/2023</a:t>
             </a:fld>
             <a:endParaRPr kumimoji="0" lang="en-US" dirty="0"/>
           </a:p>
@@ -5419,7 +5772,7 @@
                   <a:schemeClr val="tx2"/>
                 </a:solidFill>
               </a:rPr>
-              <a:t>5/14/2023</a:t>
+              <a:t>5/22/2023</a:t>
             </a:fld>
             <a:endParaRPr kumimoji="0" lang="en-US" dirty="0"/>
           </a:p>
@@ -5994,7 +6347,7 @@
                   <a:schemeClr val="tx2"/>
                 </a:solidFill>
               </a:rPr>
-              <a:t>5/14/2023</a:t>
+              <a:t>5/22/2023</a:t>
             </a:fld>
             <a:endParaRPr kumimoji="0" lang="en-US" dirty="0"/>
           </a:p>
@@ -6557,7 +6910,7 @@
                   <a:schemeClr val="tx2"/>
                 </a:solidFill>
               </a:rPr>
-              <a:t>5/14/2023</a:t>
+              <a:t>5/22/2023</a:t>
             </a:fld>
             <a:endParaRPr kumimoji="0" lang="en-US" dirty="0"/>
           </a:p>
@@ -7015,7 +7368,7 @@
                   <a:schemeClr val="tx2"/>
                 </a:solidFill>
               </a:rPr>
-              <a:t>5/14/2023</a:t>
+              <a:t>5/22/2023</a:t>
             </a:fld>
             <a:endParaRPr kumimoji="0" lang="en-US" dirty="0"/>
           </a:p>
@@ -7438,7 +7791,7 @@
                   <a:schemeClr val="tx2"/>
                 </a:solidFill>
               </a:rPr>
-              <a:t>5/14/2023</a:t>
+              <a:t>5/22/2023</a:t>
             </a:fld>
             <a:endParaRPr kumimoji="0" lang="en-US" dirty="0"/>
           </a:p>
@@ -7941,7 +8294,7 @@
                   <a:schemeClr val="tx2"/>
                 </a:solidFill>
               </a:rPr>
-              <a:t>5/14/2023</a:t>
+              <a:t>5/22/2023</a:t>
             </a:fld>
             <a:endParaRPr kumimoji="0" lang="en-US" dirty="0"/>
           </a:p>
@@ -8444,7 +8797,7 @@
                   <a:schemeClr val="tx2"/>
                 </a:solidFill>
               </a:rPr>
-              <a:t>5/14/2023</a:t>
+              <a:t>5/22/2023</a:t>
             </a:fld>
             <a:endParaRPr kumimoji="0" lang="en-US" dirty="0"/>
           </a:p>
@@ -8659,7 +9012,7 @@
                   <a:schemeClr val="tx2"/>
                 </a:solidFill>
               </a:rPr>
-              <a:t>5/14/2023</a:t>
+              <a:t>5/22/2023</a:t>
             </a:fld>
             <a:endParaRPr kumimoji="0" lang="en-US" dirty="0"/>
           </a:p>
@@ -8986,7 +9339,7 @@
                   <a:schemeClr val="tx2"/>
                 </a:solidFill>
               </a:rPr>
-              <a:t>5/14/2023</a:t>
+              <a:t>5/22/2023</a:t>
             </a:fld>
             <a:endParaRPr kumimoji="0" lang="en-US" dirty="0"/>
           </a:p>
@@ -9211,7 +9564,7 @@
                   <a:schemeClr val="tx2"/>
                 </a:solidFill>
               </a:rPr>
-              <a:t>5/14/2023</a:t>
+              <a:t>5/22/2023</a:t>
             </a:fld>
             <a:endParaRPr kumimoji="0" lang="en-US" dirty="0"/>
           </a:p>
@@ -9429,7 +9782,7 @@
                   <a:schemeClr val="tx2"/>
                 </a:solidFill>
               </a:rPr>
-              <a:t>5/14/2023</a:t>
+              <a:t>5/22/2023</a:t>
             </a:fld>
             <a:endParaRPr kumimoji="0" lang="en-US" dirty="0"/>
           </a:p>
@@ -9604,7 +9957,7 @@
           <a:p>
             <a:fld id="{40B5BDA6-E047-4318-94BB-F4D08EB7A25B}" type="datetime1">
               <a:rPr kumimoji="0" lang="en-US" altLang="zh-TW" smtClean="0"/>
-              <a:t>5/14/2023</a:t>
+              <a:t>5/22/2023</a:t>
             </a:fld>
             <a:endParaRPr kumimoji="0" lang="en-US" dirty="0"/>
           </a:p>
@@ -9848,7 +10201,7 @@
                   <a:schemeClr val="tx2"/>
                 </a:solidFill>
               </a:rPr>
-              <a:t>5/14/2023</a:t>
+              <a:t>5/22/2023</a:t>
             </a:fld>
             <a:endParaRPr kumimoji="0" lang="en-US" dirty="0"/>
           </a:p>
@@ -10319,7 +10672,7 @@
                   <a:schemeClr val="tx2"/>
                 </a:solidFill>
               </a:rPr>
-              <a:t>5/14/2023</a:t>
+              <a:t>5/22/2023</a:t>
             </a:fld>
             <a:endParaRPr kumimoji="0" lang="en-US" dirty="0"/>
           </a:p>
@@ -10670,7 +11023,7 @@
                   <a:schemeClr val="tx2"/>
                 </a:solidFill>
               </a:rPr>
-              <a:t>5/14/2023</a:t>
+              <a:t>5/22/2023</a:t>
             </a:fld>
             <a:endParaRPr kumimoji="0" lang="en-US" dirty="0"/>
           </a:p>
@@ -11027,7 +11380,7 @@
                   <a:schemeClr val="tx2"/>
                 </a:solidFill>
               </a:rPr>
-              <a:t>5/14/2023</a:t>
+              <a:t>5/22/2023</a:t>
             </a:fld>
             <a:endParaRPr kumimoji="0" lang="en-US" dirty="0"/>
           </a:p>
@@ -11331,7 +11684,7 @@
                   <a:schemeClr val="tx2"/>
                 </a:solidFill>
               </a:rPr>
-              <a:t>5/14/2023</a:t>
+              <a:t>5/22/2023</a:t>
             </a:fld>
             <a:endParaRPr kumimoji="0" lang="en-US" dirty="0"/>
           </a:p>
@@ -11806,7 +12159,7 @@
                   <a:schemeClr val="tx2"/>
                 </a:solidFill>
               </a:rPr>
-              <a:t>5/14/2023</a:t>
+              <a:t>5/22/2023</a:t>
             </a:fld>
             <a:endParaRPr kumimoji="0" lang="en-US" dirty="0"/>
           </a:p>
@@ -12042,7 +12395,7 @@
                   <a:schemeClr val="tx2"/>
                 </a:solidFill>
               </a:rPr>
-              <a:t>5/14/2023</a:t>
+              <a:t>5/22/2023</a:t>
             </a:fld>
             <a:endParaRPr kumimoji="0" lang="en-US" sz="1200" dirty="0">
               <a:solidFill>
@@ -12699,7 +13052,7 @@
                   <a:schemeClr val="tx2"/>
                 </a:solidFill>
               </a:rPr>
-              <a:t>5/14/2023</a:t>
+              <a:t>5/22/2023</a:t>
             </a:fld>
             <a:endParaRPr kumimoji="0" lang="en-US" dirty="0"/>
           </a:p>
@@ -12879,7 +13232,7 @@
                 <a:latin typeface="Arial" panose="020B0604020202020204" pitchFamily="34" charset="0"/>
                 <a:cs typeface="Arial" panose="020B0604020202020204" pitchFamily="34" charset="0"/>
               </a:rPr>
-              <a:t>5/14/2023</a:t>
+              <a:t>5/22/2023</a:t>
             </a:fld>
             <a:endParaRPr kumimoji="0" lang="en-US" dirty="0">
               <a:latin typeface="Arial" panose="020B0604020202020204" pitchFamily="34" charset="0"/>
@@ -13253,7 +13606,7 @@
                 <a:latin typeface="Arial" panose="020B0604020202020204" pitchFamily="34" charset="0"/>
                 <a:cs typeface="Arial" panose="020B0604020202020204" pitchFamily="34" charset="0"/>
               </a:rPr>
-              <a:t>5/14/2023</a:t>
+              <a:t>5/22/2023</a:t>
             </a:fld>
             <a:endParaRPr kumimoji="0" lang="en-US" dirty="0">
               <a:latin typeface="Arial" panose="020B0604020202020204" pitchFamily="34" charset="0"/>
@@ -13538,7 +13891,7 @@
                 <a:latin typeface="Arial" panose="020B0604020202020204" pitchFamily="34" charset="0"/>
                 <a:cs typeface="Arial" panose="020B0604020202020204" pitchFamily="34" charset="0"/>
               </a:rPr>
-              <a:t>5/14/2023</a:t>
+              <a:t>5/22/2023</a:t>
             </a:fld>
             <a:endParaRPr kumimoji="0" lang="en-US" dirty="0">
               <a:latin typeface="Arial" panose="020B0604020202020204" pitchFamily="34" charset="0"/>
@@ -13934,7 +14287,7 @@
                   <a:schemeClr val="tx2"/>
                 </a:solidFill>
               </a:rPr>
-              <a:t>5/14/2023</a:t>
+              <a:t>5/22/2023</a:t>
             </a:fld>
             <a:endParaRPr kumimoji="0" lang="en-US" dirty="0"/>
           </a:p>
@@ -14099,7 +14452,7 @@
                 <a:latin typeface="Arial" panose="020B0604020202020204" pitchFamily="34" charset="0"/>
                 <a:cs typeface="Arial" panose="020B0604020202020204" pitchFamily="34" charset="0"/>
               </a:rPr>
-              <a:t>5/14/2023</a:t>
+              <a:t>5/22/2023</a:t>
             </a:fld>
             <a:endParaRPr kumimoji="0" lang="en-US" dirty="0">
               <a:latin typeface="Arial" panose="020B0604020202020204" pitchFamily="34" charset="0"/>
@@ -14538,7 +14891,7 @@
                 <a:latin typeface="Arial" panose="020B0604020202020204" pitchFamily="34" charset="0"/>
                 <a:cs typeface="Arial" panose="020B0604020202020204" pitchFamily="34" charset="0"/>
               </a:rPr>
-              <a:t>5/14/2023</a:t>
+              <a:t>5/22/2023</a:t>
             </a:fld>
             <a:endParaRPr kumimoji="0" lang="en-US" dirty="0">
               <a:latin typeface="Arial" panose="020B0604020202020204" pitchFamily="34" charset="0"/>
@@ -14972,7 +15325,7 @@
                 <a:latin typeface="Arial" panose="020B0604020202020204" pitchFamily="34" charset="0"/>
                 <a:cs typeface="Arial" panose="020B0604020202020204" pitchFamily="34" charset="0"/>
               </a:rPr>
-              <a:t>5/14/2023</a:t>
+              <a:t>5/22/2023</a:t>
             </a:fld>
             <a:endParaRPr kumimoji="0" lang="en-US" dirty="0">
               <a:latin typeface="Arial" panose="020B0604020202020204" pitchFamily="34" charset="0"/>
@@ -15406,7 +15759,7 @@
                 <a:latin typeface="Arial" panose="020B0604020202020204" pitchFamily="34" charset="0"/>
                 <a:cs typeface="Arial" panose="020B0604020202020204" pitchFamily="34" charset="0"/>
               </a:rPr>
-              <a:t>5/14/2023</a:t>
+              <a:t>5/22/2023</a:t>
             </a:fld>
             <a:endParaRPr kumimoji="0" lang="en-US" dirty="0">
               <a:latin typeface="Arial" panose="020B0604020202020204" pitchFamily="34" charset="0"/>
@@ -15979,7 +16332,7 @@
                 <a:latin typeface="Arial" panose="020B0604020202020204" pitchFamily="34" charset="0"/>
                 <a:cs typeface="Arial" panose="020B0604020202020204" pitchFamily="34" charset="0"/>
               </a:rPr>
-              <a:t>5/14/2023</a:t>
+              <a:t>5/22/2023</a:t>
             </a:fld>
             <a:endParaRPr kumimoji="0" lang="en-US" dirty="0">
               <a:latin typeface="Arial" panose="020B0604020202020204" pitchFamily="34" charset="0"/>
@@ -16144,7 +16497,7 @@
                 <a:latin typeface="Arial" panose="020B0604020202020204" pitchFamily="34" charset="0"/>
                 <a:cs typeface="Arial" panose="020B0604020202020204" pitchFamily="34" charset="0"/>
               </a:rPr>
-              <a:t>5/14/2023</a:t>
+              <a:t>5/22/2023</a:t>
             </a:fld>
             <a:endParaRPr kumimoji="0" lang="en-US" dirty="0">
               <a:latin typeface="Arial" panose="020B0604020202020204" pitchFamily="34" charset="0"/>
@@ -16575,7 +16928,7 @@
                 <a:latin typeface="Arial" panose="020B0604020202020204" pitchFamily="34" charset="0"/>
                 <a:cs typeface="Arial" panose="020B0604020202020204" pitchFamily="34" charset="0"/>
               </a:rPr>
-              <a:t>5/14/2023</a:t>
+              <a:t>5/22/2023</a:t>
             </a:fld>
             <a:endParaRPr kumimoji="0" lang="en-US" dirty="0">
               <a:latin typeface="Arial" panose="020B0604020202020204" pitchFamily="34" charset="0"/>
@@ -16871,7 +17224,7 @@
                 <a:latin typeface="Arial" panose="020B0604020202020204" pitchFamily="34" charset="0"/>
                 <a:cs typeface="Arial" panose="020B0604020202020204" pitchFamily="34" charset="0"/>
               </a:rPr>
-              <a:t>5/14/2023</a:t>
+              <a:t>5/22/2023</a:t>
             </a:fld>
             <a:endParaRPr kumimoji="0" lang="en-US" dirty="0">
               <a:latin typeface="Arial" panose="020B0604020202020204" pitchFamily="34" charset="0"/>
@@ -17384,7 +17737,7 @@
                   <a:schemeClr val="tx2"/>
                 </a:solidFill>
               </a:rPr>
-              <a:t>5/14/2023</a:t>
+              <a:t>5/22/2023</a:t>
             </a:fld>
             <a:endParaRPr kumimoji="0" lang="en-US" dirty="0"/>
           </a:p>
@@ -17546,7 +17899,7 @@
                 <a:latin typeface="Arial" panose="020B0604020202020204" pitchFamily="34" charset="0"/>
                 <a:cs typeface="Arial" panose="020B0604020202020204" pitchFamily="34" charset="0"/>
               </a:rPr>
-              <a:t>5/14/2023</a:t>
+              <a:t>5/22/2023</a:t>
             </a:fld>
             <a:endParaRPr kumimoji="0" lang="en-US" dirty="0">
               <a:latin typeface="Arial" panose="020B0604020202020204" pitchFamily="34" charset="0"/>
@@ -17917,7 +18270,7 @@
                 <a:latin typeface="Arial" panose="020B0604020202020204" pitchFamily="34" charset="0"/>
                 <a:cs typeface="Arial" panose="020B0604020202020204" pitchFamily="34" charset="0"/>
               </a:rPr>
-              <a:t>5/14/2023</a:t>
+              <a:t>5/22/2023</a:t>
             </a:fld>
             <a:endParaRPr kumimoji="0" lang="en-US" dirty="0">
               <a:latin typeface="Arial" panose="020B0604020202020204" pitchFamily="34" charset="0"/>
@@ -18390,7 +18743,7 @@
                 <a:latin typeface="Arial" panose="020B0604020202020204" pitchFamily="34" charset="0"/>
                 <a:cs typeface="Arial" panose="020B0604020202020204" pitchFamily="34" charset="0"/>
               </a:rPr>
-              <a:t>5/14/2023</a:t>
+              <a:t>5/22/2023</a:t>
             </a:fld>
             <a:endParaRPr kumimoji="0" lang="en-US" dirty="0">
               <a:latin typeface="Arial" panose="020B0604020202020204" pitchFamily="34" charset="0"/>
@@ -18881,7 +19234,7 @@
                 <a:latin typeface="Arial" panose="020B0604020202020204" pitchFamily="34" charset="0"/>
                 <a:cs typeface="Arial" panose="020B0604020202020204" pitchFamily="34" charset="0"/>
               </a:rPr>
-              <a:t>5/14/2023</a:t>
+              <a:t>5/22/2023</a:t>
             </a:fld>
             <a:endParaRPr kumimoji="0" lang="en-US" dirty="0">
               <a:latin typeface="Arial" panose="020B0604020202020204" pitchFamily="34" charset="0"/>
@@ -19439,7 +19792,7 @@
                   <a:schemeClr val="tx2"/>
                 </a:solidFill>
               </a:rPr>
-              <a:t>5/14/2023</a:t>
+              <a:t>5/22/2023</a:t>
             </a:fld>
             <a:endParaRPr kumimoji="0" lang="en-US" dirty="0"/>
           </a:p>
@@ -19601,7 +19954,7 @@
                 <a:latin typeface="Arial" panose="020B0604020202020204" pitchFamily="34" charset="0"/>
                 <a:cs typeface="Arial" panose="020B0604020202020204" pitchFamily="34" charset="0"/>
               </a:rPr>
-              <a:t>5/14/2023</a:t>
+              <a:t>5/22/2023</a:t>
             </a:fld>
             <a:endParaRPr kumimoji="0" lang="en-US" dirty="0">
               <a:latin typeface="Arial" panose="020B0604020202020204" pitchFamily="34" charset="0"/>
@@ -20074,7 +20427,7 @@
                 <a:latin typeface="Arial" panose="020B0604020202020204" pitchFamily="34" charset="0"/>
                 <a:cs typeface="Arial" panose="020B0604020202020204" pitchFamily="34" charset="0"/>
               </a:rPr>
-              <a:t>5/14/2023</a:t>
+              <a:t>5/22/2023</a:t>
             </a:fld>
             <a:endParaRPr kumimoji="0" lang="en-US" dirty="0">
               <a:latin typeface="Arial" panose="020B0604020202020204" pitchFamily="34" charset="0"/>
@@ -20515,7 +20868,7 @@
                 <a:latin typeface="Arial" panose="020B0604020202020204" pitchFamily="34" charset="0"/>
                 <a:cs typeface="Arial" panose="020B0604020202020204" pitchFamily="34" charset="0"/>
               </a:rPr>
-              <a:t>5/14/2023</a:t>
+              <a:t>5/22/2023</a:t>
             </a:fld>
             <a:endParaRPr kumimoji="0" lang="en-US" dirty="0">
               <a:latin typeface="Arial" panose="020B0604020202020204" pitchFamily="34" charset="0"/>
@@ -20839,7 +21192,7 @@
                 <a:latin typeface="Arial" panose="020B0604020202020204" pitchFamily="34" charset="0"/>
                 <a:cs typeface="Arial" panose="020B0604020202020204" pitchFamily="34" charset="0"/>
               </a:rPr>
-              <a:t>5/14/2023</a:t>
+              <a:t>5/22/2023</a:t>
             </a:fld>
             <a:endParaRPr kumimoji="0" lang="en-US" dirty="0">
               <a:latin typeface="Arial" panose="020B0604020202020204" pitchFamily="34" charset="0"/>
@@ -21139,7 +21492,7 @@
                 <a:latin typeface="Arial" panose="020B0604020202020204" pitchFamily="34" charset="0"/>
                 <a:cs typeface="Arial" panose="020B0604020202020204" pitchFamily="34" charset="0"/>
               </a:rPr>
-              <a:t>5/14/2023</a:t>
+              <a:t>5/22/2023</a:t>
             </a:fld>
             <a:endParaRPr kumimoji="0" lang="en-US" dirty="0">
               <a:latin typeface="Arial" panose="020B0604020202020204" pitchFamily="34" charset="0"/>
@@ -21502,7 +21855,7 @@
                   <a:schemeClr val="tx2"/>
                 </a:solidFill>
               </a:rPr>
-              <a:t>5/14/2023</a:t>
+              <a:t>5/22/2023</a:t>
             </a:fld>
             <a:endParaRPr kumimoji="0" lang="en-US" dirty="0"/>
           </a:p>
@@ -21718,7 +22071,7 @@
                 <a:latin typeface="Arial" panose="020B0604020202020204" pitchFamily="34" charset="0"/>
                 <a:cs typeface="Arial" panose="020B0604020202020204" pitchFamily="34" charset="0"/>
               </a:rPr>
-              <a:t>5/14/2023</a:t>
+              <a:t>5/22/2023</a:t>
             </a:fld>
             <a:endParaRPr kumimoji="0" lang="en-US" dirty="0">
               <a:latin typeface="Arial" panose="020B0604020202020204" pitchFamily="34" charset="0"/>
@@ -22368,7 +22721,7 @@
                 <a:latin typeface="Arial" panose="020B0604020202020204" pitchFamily="34" charset="0"/>
                 <a:cs typeface="Arial" panose="020B0604020202020204" pitchFamily="34" charset="0"/>
               </a:rPr>
-              <a:t>5/14/2023</a:t>
+              <a:t>5/22/2023</a:t>
             </a:fld>
             <a:endParaRPr kumimoji="0" lang="en-US" dirty="0">
               <a:latin typeface="Arial" panose="020B0604020202020204" pitchFamily="34" charset="0"/>
@@ -22815,7 +23168,7 @@
                 <a:latin typeface="Arial" panose="020B0604020202020204" pitchFamily="34" charset="0"/>
                 <a:cs typeface="Arial" panose="020B0604020202020204" pitchFamily="34" charset="0"/>
               </a:rPr>
-              <a:t>5/14/2023</a:t>
+              <a:t>5/22/2023</a:t>
             </a:fld>
             <a:endParaRPr kumimoji="0" lang="en-US" dirty="0">
               <a:latin typeface="Arial" panose="020B0604020202020204" pitchFamily="34" charset="0"/>
@@ -23267,7 +23620,7 @@
                 <a:latin typeface="Arial" panose="020B0604020202020204" pitchFamily="34" charset="0"/>
                 <a:cs typeface="Arial" panose="020B0604020202020204" pitchFamily="34" charset="0"/>
               </a:rPr>
-              <a:t>5/14/2023</a:t>
+              <a:t>5/22/2023</a:t>
             </a:fld>
             <a:endParaRPr kumimoji="0" lang="en-US" dirty="0">
               <a:latin typeface="Arial" panose="020B0604020202020204" pitchFamily="34" charset="0"/>
@@ -23690,7 +24043,7 @@
                 <a:latin typeface="Arial" panose="020B0604020202020204" pitchFamily="34" charset="0"/>
                 <a:cs typeface="Arial" panose="020B0604020202020204" pitchFamily="34" charset="0"/>
               </a:rPr>
-              <a:t>5/14/2023</a:t>
+              <a:t>5/22/2023</a:t>
             </a:fld>
             <a:endParaRPr kumimoji="0" lang="en-US" dirty="0">
               <a:latin typeface="Arial" panose="020B0604020202020204" pitchFamily="34" charset="0"/>
@@ -24160,7 +24513,7 @@
                 <a:latin typeface="Arial" panose="020B0604020202020204" pitchFamily="34" charset="0"/>
                 <a:cs typeface="Arial" panose="020B0604020202020204" pitchFamily="34" charset="0"/>
               </a:rPr>
-              <a:t>5/14/2023</a:t>
+              <a:t>5/22/2023</a:t>
             </a:fld>
             <a:endParaRPr kumimoji="0" lang="en-US" dirty="0">
               <a:latin typeface="Arial" panose="020B0604020202020204" pitchFamily="34" charset="0"/>
@@ -24462,7 +24815,7 @@
                 <a:latin typeface="Arial" panose="020B0604020202020204" pitchFamily="34" charset="0"/>
                 <a:cs typeface="Arial" panose="020B0604020202020204" pitchFamily="34" charset="0"/>
               </a:rPr>
-              <a:t>5/14/2023</a:t>
+              <a:t>5/22/2023</a:t>
             </a:fld>
             <a:endParaRPr kumimoji="0" lang="en-US" dirty="0">
               <a:latin typeface="Arial" panose="020B0604020202020204" pitchFamily="34" charset="0"/>
@@ -24594,7 +24947,7 @@
                 <a:latin typeface="微軟正黑體" panose="020B0604030504040204" pitchFamily="34" charset="-120"/>
                 <a:ea typeface="微軟正黑體" panose="020B0604030504040204" pitchFamily="34" charset="-120"/>
               </a:rPr>
-              <a:t>存：儲</a:t>
+              <a:t>儲存：</a:t>
             </a:r>
             <a:r>
               <a:rPr lang="en-US" altLang="zh-TW" sz="2800" i="0" dirty="0" err="1">
@@ -25054,7 +25407,7 @@
                 <a:latin typeface="Arial" panose="020B0604020202020204" pitchFamily="34" charset="0"/>
                 <a:cs typeface="Arial" panose="020B0604020202020204" pitchFamily="34" charset="0"/>
               </a:rPr>
-              <a:t>5/14/2023</a:t>
+              <a:t>5/22/2023</a:t>
             </a:fld>
             <a:endParaRPr kumimoji="0" lang="en-US" dirty="0">
               <a:latin typeface="Arial" panose="020B0604020202020204" pitchFamily="34" charset="0"/>
@@ -25325,7 +25678,7 @@
                 <a:latin typeface="Arial" panose="020B0604020202020204" pitchFamily="34" charset="0"/>
                 <a:cs typeface="Arial" panose="020B0604020202020204" pitchFamily="34" charset="0"/>
               </a:rPr>
-              <a:t>5/14/2023</a:t>
+              <a:t>5/22/2023</a:t>
             </a:fld>
             <a:endParaRPr kumimoji="0" lang="en-US" dirty="0">
               <a:latin typeface="Arial" panose="020B0604020202020204" pitchFamily="34" charset="0"/>
@@ -25794,7 +26147,7 @@
                 <a:latin typeface="Arial" panose="020B0604020202020204" pitchFamily="34" charset="0"/>
                 <a:cs typeface="Arial" panose="020B0604020202020204" pitchFamily="34" charset="0"/>
               </a:rPr>
-              <a:t>5/14/2023</a:t>
+              <a:t>5/22/2023</a:t>
             </a:fld>
             <a:endParaRPr kumimoji="0" lang="en-US" dirty="0">
               <a:latin typeface="Arial" panose="020B0604020202020204" pitchFamily="34" charset="0"/>
@@ -26114,7 +26467,7 @@
                 <a:latin typeface="Arial" panose="020B0604020202020204" pitchFamily="34" charset="0"/>
                 <a:cs typeface="Arial" panose="020B0604020202020204" pitchFamily="34" charset="0"/>
               </a:rPr>
-              <a:t>5/14/2023</a:t>
+              <a:t>5/22/2023</a:t>
             </a:fld>
             <a:endParaRPr kumimoji="0" lang="en-US" dirty="0">
               <a:latin typeface="Arial" panose="020B0604020202020204" pitchFamily="34" charset="0"/>
@@ -26439,7 +26792,7 @@
                 <a:latin typeface="Arial" panose="020B0604020202020204" pitchFamily="34" charset="0"/>
                 <a:cs typeface="Arial" panose="020B0604020202020204" pitchFamily="34" charset="0"/>
               </a:rPr>
-              <a:t>5/14/2023</a:t>
+              <a:t>5/22/2023</a:t>
             </a:fld>
             <a:endParaRPr kumimoji="0" lang="en-US" dirty="0">
               <a:latin typeface="Arial" panose="020B0604020202020204" pitchFamily="34" charset="0"/>
@@ -26737,7 +27090,7 @@
                 <a:latin typeface="Arial" panose="020B0604020202020204" pitchFamily="34" charset="0"/>
                 <a:cs typeface="Arial" panose="020B0604020202020204" pitchFamily="34" charset="0"/>
               </a:rPr>
-              <a:t>5/14/2023</a:t>
+              <a:t>5/22/2023</a:t>
             </a:fld>
             <a:endParaRPr kumimoji="0" lang="en-US" dirty="0">
               <a:latin typeface="Arial" panose="020B0604020202020204" pitchFamily="34" charset="0"/>
@@ -26999,6 +27352,172 @@
     <p:extLst>
       <p:ext uri="{BB962C8B-B14F-4D97-AF65-F5344CB8AC3E}">
         <p14:creationId xmlns:p14="http://schemas.microsoft.com/office/powerpoint/2010/main" val="4029521390"/>
+      </p:ext>
+    </p:extLst>
+  </p:cSld>
+  <p:clrMapOvr>
+    <a:masterClrMapping/>
+  </p:clrMapOvr>
+  <p:transition>
+    <p:fade/>
+  </p:transition>
+</p:sld>
+</file>
+
+<file path=ppt/slides/slide49.xml><?xml version="1.0" encoding="utf-8"?>
+<p:sld xmlns:a="http://schemas.openxmlformats.org/drawingml/2006/main" xmlns:r="http://schemas.openxmlformats.org/officeDocument/2006/relationships" xmlns:p="http://schemas.openxmlformats.org/presentationml/2006/main">
+  <p:cSld>
+    <p:spTree>
+      <p:nvGrpSpPr>
+        <p:cNvPr id="1" name=""/>
+        <p:cNvGrpSpPr/>
+        <p:nvPr/>
+      </p:nvGrpSpPr>
+      <p:grpSpPr>
+        <a:xfrm>
+          <a:off x="0" y="0"/>
+          <a:ext cx="0" cy="0"/>
+          <a:chOff x="0" y="0"/>
+          <a:chExt cx="0" cy="0"/>
+        </a:xfrm>
+      </p:grpSpPr>
+      <p:sp>
+        <p:nvSpPr>
+          <p:cNvPr id="3" name="文字版面配置區 2"/>
+          <p:cNvSpPr>
+            <a:spLocks noGrp="1"/>
+          </p:cNvSpPr>
+          <p:nvPr>
+            <p:ph type="body" sz="quarter" idx="11"/>
+          </p:nvPr>
+        </p:nvSpPr>
+        <p:spPr>
+          <a:xfrm>
+            <a:off x="1752600" y="2933700"/>
+            <a:ext cx="6172200" cy="990600"/>
+          </a:xfrm>
+        </p:spPr>
+        <p:txBody>
+          <a:bodyPr/>
+          <a:lstStyle/>
+          <a:p>
+            <a:r>
+              <a:rPr kumimoji="1" lang="en-US" altLang="zh-TW" sz="4800" b="1" dirty="0" err="1">
+                <a:effectLst>
+                  <a:outerShdw blurRad="38100" dist="38100" dir="2700000" algn="tl">
+                    <a:srgbClr val="000000">
+                      <a:alpha val="43137"/>
+                    </a:srgbClr>
+                  </a:outerShdw>
+                </a:effectLst>
+                <a:latin typeface="微軟正黑體" panose="020B0604030504040204" pitchFamily="34" charset="-120"/>
+                <a:ea typeface="微軟正黑體" panose="020B0604030504040204" pitchFamily="34" charset="-120"/>
+                <a:cs typeface="Heiti TC Light"/>
+              </a:rPr>
+              <a:t>LangChain</a:t>
+            </a:r>
+            <a:r>
+              <a:rPr kumimoji="1" lang="zh-TW" altLang="en-US" sz="4800" b="1" dirty="0">
+                <a:effectLst>
+                  <a:outerShdw blurRad="38100" dist="38100" dir="2700000" algn="tl">
+                    <a:srgbClr val="000000">
+                      <a:alpha val="43137"/>
+                    </a:srgbClr>
+                  </a:outerShdw>
+                </a:effectLst>
+                <a:latin typeface="微軟正黑體" panose="020B0604030504040204" pitchFamily="34" charset="-120"/>
+                <a:ea typeface="微軟正黑體" panose="020B0604030504040204" pitchFamily="34" charset="-120"/>
+                <a:cs typeface="Heiti TC Light"/>
+              </a:rPr>
+              <a:t>使用流程</a:t>
+            </a:r>
+            <a:endParaRPr kumimoji="1" lang="en-US" altLang="zh-TW" sz="4800" b="1" dirty="0">
+              <a:effectLst>
+                <a:outerShdw blurRad="38100" dist="38100" dir="2700000" algn="tl">
+                  <a:srgbClr val="000000">
+                    <a:alpha val="43137"/>
+                  </a:srgbClr>
+                </a:outerShdw>
+              </a:effectLst>
+              <a:latin typeface="微軟正黑體" panose="020B0604030504040204" pitchFamily="34" charset="-120"/>
+              <a:ea typeface="微軟正黑體" panose="020B0604030504040204" pitchFamily="34" charset="-120"/>
+              <a:cs typeface="Heiti TC Light"/>
+            </a:endParaRPr>
+          </a:p>
+        </p:txBody>
+      </p:sp>
+      <p:sp>
+        <p:nvSpPr>
+          <p:cNvPr id="2" name="日期版面配置區 1">
+            <a:extLst>
+              <a:ext uri="{FF2B5EF4-FFF2-40B4-BE49-F238E27FC236}">
+                <a16:creationId xmlns:a16="http://schemas.microsoft.com/office/drawing/2014/main" id="{01ACAA0C-883C-C966-1259-350A7E7B3BAD}"/>
+              </a:ext>
+            </a:extLst>
+          </p:cNvPr>
+          <p:cNvSpPr>
+            <a:spLocks noGrp="1"/>
+          </p:cNvSpPr>
+          <p:nvPr>
+            <p:ph type="dt" sz="half" idx="12"/>
+          </p:nvPr>
+        </p:nvSpPr>
+        <p:spPr/>
+        <p:txBody>
+          <a:bodyPr/>
+          <a:lstStyle/>
+          <a:p>
+            <a:fld id="{11078AA6-C1A5-45A0-9956-BB8DA3AA2FCD}" type="datetime1">
+              <a:rPr kumimoji="0" lang="en-US" altLang="zh-TW" sz="1200" smtClean="0">
+                <a:solidFill>
+                  <a:schemeClr val="tx2"/>
+                </a:solidFill>
+              </a:rPr>
+              <a:t>5/22/2023</a:t>
+            </a:fld>
+            <a:endParaRPr kumimoji="0" lang="en-US" dirty="0"/>
+          </a:p>
+        </p:txBody>
+      </p:sp>
+      <p:sp>
+        <p:nvSpPr>
+          <p:cNvPr id="5" name="投影片編號版面配置區 4">
+            <a:extLst>
+              <a:ext uri="{FF2B5EF4-FFF2-40B4-BE49-F238E27FC236}">
+                <a16:creationId xmlns:a16="http://schemas.microsoft.com/office/drawing/2014/main" id="{C59AC5A1-68ED-EBAF-3E35-202A7D82E38E}"/>
+              </a:ext>
+            </a:extLst>
+          </p:cNvPr>
+          <p:cNvSpPr>
+            <a:spLocks noGrp="1"/>
+          </p:cNvSpPr>
+          <p:nvPr>
+            <p:ph type="sldNum" sz="quarter" idx="13"/>
+          </p:nvPr>
+        </p:nvSpPr>
+        <p:spPr/>
+        <p:txBody>
+          <a:bodyPr/>
+          <a:lstStyle/>
+          <a:p>
+            <a:pPr algn="r"/>
+            <a:fld id="{F99EC173-99AE-4773-AB25-02E469A13EAE}" type="slidenum">
+              <a:rPr kumimoji="0" lang="en-US" sz="1200" smtClean="0">
+                <a:solidFill>
+                  <a:schemeClr val="tx2"/>
+                </a:solidFill>
+              </a:rPr>
+              <a:pPr algn="r"/>
+              <a:t>49</a:t>
+            </a:fld>
+            <a:endParaRPr kumimoji="0" lang="en-US" dirty="0"/>
+          </a:p>
+        </p:txBody>
+      </p:sp>
+    </p:spTree>
+    <p:extLst>
+      <p:ext uri="{BB962C8B-B14F-4D97-AF65-F5344CB8AC3E}">
+        <p14:creationId xmlns:p14="http://schemas.microsoft.com/office/powerpoint/2010/main" val="2057930332"/>
       </p:ext>
     </p:extLst>
   </p:cSld>
@@ -27134,7 +27653,7 @@
                 <a:latin typeface="Arial" panose="020B0604020202020204" pitchFamily="34" charset="0"/>
                 <a:cs typeface="Arial" panose="020B0604020202020204" pitchFamily="34" charset="0"/>
               </a:rPr>
-              <a:t>5/14/2023</a:t>
+              <a:t>5/22/2023</a:t>
             </a:fld>
             <a:endParaRPr kumimoji="0" lang="en-US" dirty="0">
               <a:latin typeface="Arial" panose="020B0604020202020204" pitchFamily="34" charset="0"/>
@@ -27347,6 +27866,1231 @@
     <p:extLst>
       <p:ext uri="{BB962C8B-B14F-4D97-AF65-F5344CB8AC3E}">
         <p14:creationId xmlns:p14="http://schemas.microsoft.com/office/powerpoint/2010/main" val="302266576"/>
+      </p:ext>
+    </p:extLst>
+  </p:cSld>
+  <p:clrMapOvr>
+    <a:masterClrMapping/>
+  </p:clrMapOvr>
+  <p:transition>
+    <p:fade/>
+  </p:transition>
+</p:sld>
+</file>
+
+<file path=ppt/slides/slide50.xml><?xml version="1.0" encoding="utf-8"?>
+<p:sld xmlns:a="http://schemas.openxmlformats.org/drawingml/2006/main" xmlns:r="http://schemas.openxmlformats.org/officeDocument/2006/relationships" xmlns:p="http://schemas.openxmlformats.org/presentationml/2006/main">
+  <p:cSld>
+    <p:spTree>
+      <p:nvGrpSpPr>
+        <p:cNvPr id="1" name=""/>
+        <p:cNvGrpSpPr/>
+        <p:nvPr/>
+      </p:nvGrpSpPr>
+      <p:grpSpPr>
+        <a:xfrm>
+          <a:off x="0" y="0"/>
+          <a:ext cx="0" cy="0"/>
+          <a:chOff x="0" y="0"/>
+          <a:chExt cx="0" cy="0"/>
+        </a:xfrm>
+      </p:grpSpPr>
+      <p:pic>
+        <p:nvPicPr>
+          <p:cNvPr id="7" name="圖片 6">
+            <a:extLst>
+              <a:ext uri="{FF2B5EF4-FFF2-40B4-BE49-F238E27FC236}">
+                <a16:creationId xmlns:a16="http://schemas.microsoft.com/office/drawing/2014/main" id="{C850D00D-5229-C08F-9DB3-0D0456CA07EB}"/>
+              </a:ext>
+            </a:extLst>
+          </p:cNvPr>
+          <p:cNvPicPr>
+            <a:picLocks noChangeAspect="1"/>
+          </p:cNvPicPr>
+          <p:nvPr/>
+        </p:nvPicPr>
+        <p:blipFill>
+          <a:blip r:embed="rId2"/>
+          <a:stretch>
+            <a:fillRect/>
+          </a:stretch>
+        </p:blipFill>
+        <p:spPr>
+          <a:xfrm>
+            <a:off x="0" y="410084"/>
+            <a:ext cx="9144000" cy="6037832"/>
+          </a:xfrm>
+          <a:prstGeom prst="rect">
+            <a:avLst/>
+          </a:prstGeom>
+        </p:spPr>
+      </p:pic>
+    </p:spTree>
+    <p:extLst>
+      <p:ext uri="{BB962C8B-B14F-4D97-AF65-F5344CB8AC3E}">
+        <p14:creationId xmlns:p14="http://schemas.microsoft.com/office/powerpoint/2010/main" val="1470436892"/>
+      </p:ext>
+    </p:extLst>
+  </p:cSld>
+  <p:clrMapOvr>
+    <a:masterClrMapping/>
+  </p:clrMapOvr>
+  <p:transition>
+    <p:fade/>
+  </p:transition>
+</p:sld>
+</file>
+
+<file path=ppt/slides/slide51.xml><?xml version="1.0" encoding="utf-8"?>
+<p:sld xmlns:a="http://schemas.openxmlformats.org/drawingml/2006/main" xmlns:r="http://schemas.openxmlformats.org/officeDocument/2006/relationships" xmlns:p="http://schemas.openxmlformats.org/presentationml/2006/main">
+  <p:cSld>
+    <p:spTree>
+      <p:nvGrpSpPr>
+        <p:cNvPr id="1" name=""/>
+        <p:cNvGrpSpPr/>
+        <p:nvPr/>
+      </p:nvGrpSpPr>
+      <p:grpSpPr>
+        <a:xfrm>
+          <a:off x="0" y="0"/>
+          <a:ext cx="0" cy="0"/>
+          <a:chOff x="0" y="0"/>
+          <a:chExt cx="0" cy="0"/>
+        </a:xfrm>
+      </p:grpSpPr>
+      <p:sp>
+        <p:nvSpPr>
+          <p:cNvPr id="3" name="文字版面配置區 2"/>
+          <p:cNvSpPr>
+            <a:spLocks noGrp="1"/>
+          </p:cNvSpPr>
+          <p:nvPr>
+            <p:ph type="body" sz="quarter" idx="11"/>
+          </p:nvPr>
+        </p:nvSpPr>
+        <p:spPr>
+          <a:xfrm>
+            <a:off x="2895600" y="3200400"/>
+            <a:ext cx="6172200" cy="990600"/>
+          </a:xfrm>
+        </p:spPr>
+        <p:txBody>
+          <a:bodyPr/>
+          <a:lstStyle/>
+          <a:p>
+            <a:r>
+              <a:rPr kumimoji="1" lang="zh-TW" altLang="en-US" sz="4800" b="1" dirty="0">
+                <a:effectLst>
+                  <a:outerShdw blurRad="38100" dist="38100" dir="2700000" algn="tl">
+                    <a:srgbClr val="000000">
+                      <a:alpha val="43137"/>
+                    </a:srgbClr>
+                  </a:outerShdw>
+                </a:effectLst>
+                <a:latin typeface="微軟正黑體" panose="020B0604030504040204" pitchFamily="34" charset="-120"/>
+                <a:ea typeface="微軟正黑體" panose="020B0604030504040204" pitchFamily="34" charset="-120"/>
+                <a:cs typeface="Heiti TC Light"/>
+              </a:rPr>
+              <a:t>開源</a:t>
+            </a:r>
+            <a:r>
+              <a:rPr kumimoji="1" lang="en-US" altLang="zh-TW" sz="4800" b="1" dirty="0">
+                <a:effectLst>
+                  <a:outerShdw blurRad="38100" dist="38100" dir="2700000" algn="tl">
+                    <a:srgbClr val="000000">
+                      <a:alpha val="43137"/>
+                    </a:srgbClr>
+                  </a:outerShdw>
+                </a:effectLst>
+                <a:latin typeface="微軟正黑體" panose="020B0604030504040204" pitchFamily="34" charset="-120"/>
+                <a:ea typeface="微軟正黑體" panose="020B0604030504040204" pitchFamily="34" charset="-120"/>
+                <a:cs typeface="Heiti TC Light"/>
+              </a:rPr>
+              <a:t>LLM</a:t>
+            </a:r>
+            <a:r>
+              <a:rPr kumimoji="1" lang="zh-TW" altLang="en-US" sz="4800" b="1" dirty="0">
+                <a:effectLst>
+                  <a:outerShdw blurRad="38100" dist="38100" dir="2700000" algn="tl">
+                    <a:srgbClr val="000000">
+                      <a:alpha val="43137"/>
+                    </a:srgbClr>
+                  </a:outerShdw>
+                </a:effectLst>
+                <a:latin typeface="微軟正黑體" panose="020B0604030504040204" pitchFamily="34" charset="-120"/>
+                <a:ea typeface="微軟正黑體" panose="020B0604030504040204" pitchFamily="34" charset="-120"/>
+                <a:cs typeface="Heiti TC Light"/>
+              </a:rPr>
+              <a:t>模型</a:t>
+            </a:r>
+            <a:endParaRPr kumimoji="1" lang="en-US" altLang="zh-TW" sz="4800" b="1" dirty="0">
+              <a:effectLst>
+                <a:outerShdw blurRad="38100" dist="38100" dir="2700000" algn="tl">
+                  <a:srgbClr val="000000">
+                    <a:alpha val="43137"/>
+                  </a:srgbClr>
+                </a:outerShdw>
+              </a:effectLst>
+              <a:latin typeface="微軟正黑體" panose="020B0604030504040204" pitchFamily="34" charset="-120"/>
+              <a:ea typeface="微軟正黑體" panose="020B0604030504040204" pitchFamily="34" charset="-120"/>
+              <a:cs typeface="Heiti TC Light"/>
+            </a:endParaRPr>
+          </a:p>
+          <a:p>
+            <a:r>
+              <a:rPr kumimoji="1" lang="en-US" altLang="zh-TW" sz="4800" b="1" dirty="0">
+                <a:effectLst>
+                  <a:outerShdw blurRad="38100" dist="38100" dir="2700000" algn="tl">
+                    <a:srgbClr val="000000">
+                      <a:alpha val="43137"/>
+                    </a:srgbClr>
+                  </a:outerShdw>
+                </a:effectLst>
+                <a:latin typeface="微軟正黑體" panose="020B0604030504040204" pitchFamily="34" charset="-120"/>
+                <a:ea typeface="微軟正黑體" panose="020B0604030504040204" pitchFamily="34" charset="-120"/>
+                <a:cs typeface="Heiti TC Light"/>
+              </a:rPr>
+              <a:t>Vicuna</a:t>
+            </a:r>
+            <a:r>
+              <a:rPr kumimoji="1" lang="zh-TW" altLang="en-US" sz="4800" b="1" dirty="0">
+                <a:effectLst>
+                  <a:outerShdw blurRad="38100" dist="38100" dir="2700000" algn="tl">
+                    <a:srgbClr val="000000">
+                      <a:alpha val="43137"/>
+                    </a:srgbClr>
+                  </a:outerShdw>
+                </a:effectLst>
+                <a:latin typeface="微軟正黑體" panose="020B0604030504040204" pitchFamily="34" charset="-120"/>
+                <a:ea typeface="微軟正黑體" panose="020B0604030504040204" pitchFamily="34" charset="-120"/>
+                <a:cs typeface="Heiti TC Light"/>
+              </a:rPr>
+              <a:t>介紹</a:t>
+            </a:r>
+            <a:endParaRPr kumimoji="1" lang="en-US" altLang="zh-TW" sz="4800" b="1" dirty="0">
+              <a:effectLst>
+                <a:outerShdw blurRad="38100" dist="38100" dir="2700000" algn="tl">
+                  <a:srgbClr val="000000">
+                    <a:alpha val="43137"/>
+                  </a:srgbClr>
+                </a:outerShdw>
+              </a:effectLst>
+              <a:latin typeface="微軟正黑體" panose="020B0604030504040204" pitchFamily="34" charset="-120"/>
+              <a:ea typeface="微軟正黑體" panose="020B0604030504040204" pitchFamily="34" charset="-120"/>
+              <a:cs typeface="Heiti TC Light"/>
+            </a:endParaRPr>
+          </a:p>
+        </p:txBody>
+      </p:sp>
+      <p:sp>
+        <p:nvSpPr>
+          <p:cNvPr id="2" name="日期版面配置區 1">
+            <a:extLst>
+              <a:ext uri="{FF2B5EF4-FFF2-40B4-BE49-F238E27FC236}">
+                <a16:creationId xmlns:a16="http://schemas.microsoft.com/office/drawing/2014/main" id="{01ACAA0C-883C-C966-1259-350A7E7B3BAD}"/>
+              </a:ext>
+            </a:extLst>
+          </p:cNvPr>
+          <p:cNvSpPr>
+            <a:spLocks noGrp="1"/>
+          </p:cNvSpPr>
+          <p:nvPr>
+            <p:ph type="dt" sz="half" idx="12"/>
+          </p:nvPr>
+        </p:nvSpPr>
+        <p:spPr/>
+        <p:txBody>
+          <a:bodyPr/>
+          <a:lstStyle/>
+          <a:p>
+            <a:fld id="{11078AA6-C1A5-45A0-9956-BB8DA3AA2FCD}" type="datetime1">
+              <a:rPr kumimoji="0" lang="en-US" altLang="zh-TW" sz="1200" smtClean="0">
+                <a:solidFill>
+                  <a:schemeClr val="tx2"/>
+                </a:solidFill>
+              </a:rPr>
+              <a:t>5/22/2023</a:t>
+            </a:fld>
+            <a:endParaRPr kumimoji="0" lang="en-US" dirty="0"/>
+          </a:p>
+        </p:txBody>
+      </p:sp>
+      <p:sp>
+        <p:nvSpPr>
+          <p:cNvPr id="5" name="投影片編號版面配置區 4">
+            <a:extLst>
+              <a:ext uri="{FF2B5EF4-FFF2-40B4-BE49-F238E27FC236}">
+                <a16:creationId xmlns:a16="http://schemas.microsoft.com/office/drawing/2014/main" id="{C59AC5A1-68ED-EBAF-3E35-202A7D82E38E}"/>
+              </a:ext>
+            </a:extLst>
+          </p:cNvPr>
+          <p:cNvSpPr>
+            <a:spLocks noGrp="1"/>
+          </p:cNvSpPr>
+          <p:nvPr>
+            <p:ph type="sldNum" sz="quarter" idx="13"/>
+          </p:nvPr>
+        </p:nvSpPr>
+        <p:spPr/>
+        <p:txBody>
+          <a:bodyPr/>
+          <a:lstStyle/>
+          <a:p>
+            <a:pPr algn="r"/>
+            <a:fld id="{F99EC173-99AE-4773-AB25-02E469A13EAE}" type="slidenum">
+              <a:rPr kumimoji="0" lang="en-US" sz="1200" smtClean="0">
+                <a:solidFill>
+                  <a:schemeClr val="tx2"/>
+                </a:solidFill>
+              </a:rPr>
+              <a:pPr algn="r"/>
+              <a:t>51</a:t>
+            </a:fld>
+            <a:endParaRPr kumimoji="0" lang="en-US" dirty="0"/>
+          </a:p>
+        </p:txBody>
+      </p:sp>
+    </p:spTree>
+    <p:extLst>
+      <p:ext uri="{BB962C8B-B14F-4D97-AF65-F5344CB8AC3E}">
+        <p14:creationId xmlns:p14="http://schemas.microsoft.com/office/powerpoint/2010/main" val="2370928236"/>
+      </p:ext>
+    </p:extLst>
+  </p:cSld>
+  <p:clrMapOvr>
+    <a:masterClrMapping/>
+  </p:clrMapOvr>
+  <p:transition>
+    <p:fade/>
+  </p:transition>
+</p:sld>
+</file>
+
+<file path=ppt/slides/slide52.xml><?xml version="1.0" encoding="utf-8"?>
+<p:sld xmlns:a="http://schemas.openxmlformats.org/drawingml/2006/main" xmlns:r="http://schemas.openxmlformats.org/officeDocument/2006/relationships" xmlns:p="http://schemas.openxmlformats.org/presentationml/2006/main">
+  <p:cSld>
+    <p:spTree>
+      <p:nvGrpSpPr>
+        <p:cNvPr id="1" name=""/>
+        <p:cNvGrpSpPr/>
+        <p:nvPr/>
+      </p:nvGrpSpPr>
+      <p:grpSpPr>
+        <a:xfrm>
+          <a:off x="0" y="0"/>
+          <a:ext cx="0" cy="0"/>
+          <a:chOff x="0" y="0"/>
+          <a:chExt cx="0" cy="0"/>
+        </a:xfrm>
+      </p:grpSpPr>
+      <p:sp>
+        <p:nvSpPr>
+          <p:cNvPr id="4" name="文字版面配置區 2"/>
+          <p:cNvSpPr txBox="1">
+            <a:spLocks/>
+          </p:cNvSpPr>
+          <p:nvPr/>
+        </p:nvSpPr>
+        <p:spPr>
+          <a:xfrm>
+            <a:off x="1676400" y="206783"/>
+            <a:ext cx="6343650" cy="990600"/>
+          </a:xfrm>
+          <a:prstGeom prst="rect">
+            <a:avLst/>
+          </a:prstGeom>
+        </p:spPr>
+        <p:txBody>
+          <a:bodyPr tIns="91440" bIns="91440" anchor="b" anchorCtr="0">
+            <a:noAutofit/>
+          </a:bodyPr>
+          <a:lstStyle/>
+          <a:p>
+            <a:r>
+              <a:rPr kumimoji="1" lang="zh-TW" altLang="en-US" sz="4800" b="1" dirty="0">
+                <a:solidFill>
+                  <a:srgbClr val="00B0F0"/>
+                </a:solidFill>
+                <a:effectLst>
+                  <a:outerShdw blurRad="38100" dist="38100" dir="2700000" algn="tl">
+                    <a:srgbClr val="000000">
+                      <a:alpha val="43137"/>
+                    </a:srgbClr>
+                  </a:outerShdw>
+                </a:effectLst>
+                <a:latin typeface="微軟正黑體" panose="020B0604030504040204" pitchFamily="34" charset="-120"/>
+                <a:ea typeface="微軟正黑體" panose="020B0604030504040204" pitchFamily="34" charset="-120"/>
+                <a:cs typeface="Heiti TC Light"/>
+              </a:rPr>
+              <a:t>架設自己的</a:t>
+            </a:r>
+            <a:r>
+              <a:rPr kumimoji="1" lang="en-US" altLang="zh-TW" sz="4800" b="1" dirty="0" err="1">
+                <a:solidFill>
+                  <a:srgbClr val="00B0F0"/>
+                </a:solidFill>
+                <a:effectLst>
+                  <a:outerShdw blurRad="38100" dist="38100" dir="2700000" algn="tl">
+                    <a:srgbClr val="000000">
+                      <a:alpha val="43137"/>
+                    </a:srgbClr>
+                  </a:outerShdw>
+                </a:effectLst>
+                <a:latin typeface="微軟正黑體" panose="020B0604030504040204" pitchFamily="34" charset="-120"/>
+                <a:ea typeface="微軟正黑體" panose="020B0604030504040204" pitchFamily="34" charset="-120"/>
+                <a:cs typeface="Heiti TC Light"/>
+              </a:rPr>
+              <a:t>ChatGPT</a:t>
+            </a:r>
+            <a:endParaRPr kumimoji="1" lang="en-US" altLang="zh-TW" sz="4800" b="1" dirty="0">
+              <a:solidFill>
+                <a:srgbClr val="00B0F0"/>
+              </a:solidFill>
+              <a:effectLst>
+                <a:outerShdw blurRad="38100" dist="38100" dir="2700000" algn="tl">
+                  <a:srgbClr val="000000">
+                    <a:alpha val="43137"/>
+                  </a:srgbClr>
+                </a:outerShdw>
+              </a:effectLst>
+              <a:latin typeface="微軟正黑體" panose="020B0604030504040204" pitchFamily="34" charset="-120"/>
+              <a:ea typeface="微軟正黑體" panose="020B0604030504040204" pitchFamily="34" charset="-120"/>
+              <a:cs typeface="Heiti TC Light"/>
+            </a:endParaRPr>
+          </a:p>
+        </p:txBody>
+      </p:sp>
+      <p:sp>
+        <p:nvSpPr>
+          <p:cNvPr id="3" name="日期版面配置區 2">
+            <a:extLst>
+              <a:ext uri="{FF2B5EF4-FFF2-40B4-BE49-F238E27FC236}">
+                <a16:creationId xmlns:a16="http://schemas.microsoft.com/office/drawing/2014/main" id="{1C536CB5-3C58-6CF1-767E-952B76F12DEE}"/>
+              </a:ext>
+            </a:extLst>
+          </p:cNvPr>
+          <p:cNvSpPr>
+            <a:spLocks noGrp="1"/>
+          </p:cNvSpPr>
+          <p:nvPr>
+            <p:ph type="dt" sz="half" idx="12"/>
+          </p:nvPr>
+        </p:nvSpPr>
+        <p:spPr/>
+        <p:txBody>
+          <a:bodyPr/>
+          <a:lstStyle/>
+          <a:p>
+            <a:fld id="{0B520B05-2240-4566-BE2A-9338980FE8EB}" type="datetime1">
+              <a:rPr kumimoji="0" lang="en-US" altLang="zh-TW" sz="1200" smtClean="0">
+                <a:solidFill>
+                  <a:schemeClr val="tx2"/>
+                </a:solidFill>
+                <a:latin typeface="Arial" panose="020B0604020202020204" pitchFamily="34" charset="0"/>
+                <a:cs typeface="Arial" panose="020B0604020202020204" pitchFamily="34" charset="0"/>
+              </a:rPr>
+              <a:t>5/22/2023</a:t>
+            </a:fld>
+            <a:endParaRPr kumimoji="0" lang="en-US" dirty="0">
+              <a:latin typeface="Arial" panose="020B0604020202020204" pitchFamily="34" charset="0"/>
+              <a:cs typeface="Arial" panose="020B0604020202020204" pitchFamily="34" charset="0"/>
+            </a:endParaRPr>
+          </a:p>
+        </p:txBody>
+      </p:sp>
+      <p:sp>
+        <p:nvSpPr>
+          <p:cNvPr id="7" name="投影片編號版面配置區 6">
+            <a:extLst>
+              <a:ext uri="{FF2B5EF4-FFF2-40B4-BE49-F238E27FC236}">
+                <a16:creationId xmlns:a16="http://schemas.microsoft.com/office/drawing/2014/main" id="{DA316F56-AF12-D872-611F-78AE7ACCBF93}"/>
+              </a:ext>
+            </a:extLst>
+          </p:cNvPr>
+          <p:cNvSpPr>
+            <a:spLocks noGrp="1"/>
+          </p:cNvSpPr>
+          <p:nvPr>
+            <p:ph type="sldNum" sz="quarter" idx="13"/>
+          </p:nvPr>
+        </p:nvSpPr>
+        <p:spPr/>
+        <p:txBody>
+          <a:bodyPr/>
+          <a:lstStyle/>
+          <a:p>
+            <a:pPr algn="r"/>
+            <a:fld id="{F99EC173-99AE-4773-AB25-02E469A13EAE}" type="slidenum">
+              <a:rPr kumimoji="0" lang="en-US" sz="1200" smtClean="0">
+                <a:solidFill>
+                  <a:schemeClr val="tx2"/>
+                </a:solidFill>
+              </a:rPr>
+              <a:pPr algn="r"/>
+              <a:t>52</a:t>
+            </a:fld>
+            <a:endParaRPr kumimoji="0" lang="en-US" dirty="0"/>
+          </a:p>
+        </p:txBody>
+      </p:sp>
+      <p:sp>
+        <p:nvSpPr>
+          <p:cNvPr id="2" name="文字方塊 1">
+            <a:extLst>
+              <a:ext uri="{FF2B5EF4-FFF2-40B4-BE49-F238E27FC236}">
+                <a16:creationId xmlns:a16="http://schemas.microsoft.com/office/drawing/2014/main" id="{F1216D9E-C86D-79CD-21E3-AD03964D87A6}"/>
+              </a:ext>
+            </a:extLst>
+          </p:cNvPr>
+          <p:cNvSpPr txBox="1"/>
+          <p:nvPr/>
+        </p:nvSpPr>
+        <p:spPr>
+          <a:xfrm>
+            <a:off x="695325" y="1560255"/>
+            <a:ext cx="7924800" cy="4524315"/>
+          </a:xfrm>
+          <a:prstGeom prst="rect">
+            <a:avLst/>
+          </a:prstGeom>
+          <a:noFill/>
+        </p:spPr>
+        <p:txBody>
+          <a:bodyPr wrap="square" rtlCol="0">
+            <a:spAutoFit/>
+          </a:bodyPr>
+          <a:lstStyle/>
+          <a:p>
+            <a:pPr marL="457200" marR="0" indent="-457200" algn="l" rtl="0">
+              <a:buFont typeface="Arial" panose="020B0604020202020204" pitchFamily="34" charset="0"/>
+              <a:buChar char="•"/>
+            </a:pPr>
+            <a:r>
+              <a:rPr lang="en-US" altLang="zh-TW" sz="3200" b="0" i="0" u="none" strike="noStrike" kern="100" baseline="0" dirty="0" err="1">
+                <a:latin typeface="微軟正黑體" panose="020B0604030504040204" pitchFamily="34" charset="-120"/>
+                <a:ea typeface="微軟正黑體" panose="020B0604030504040204" pitchFamily="34" charset="-120"/>
+              </a:rPr>
+              <a:t>ChatGPT</a:t>
+            </a:r>
+            <a:r>
+              <a:rPr lang="zh-TW" altLang="en-US" sz="3200" b="0" i="0" u="none" strike="noStrike" kern="100" baseline="0" dirty="0">
+                <a:latin typeface="微軟正黑體" panose="020B0604030504040204" pitchFamily="34" charset="-120"/>
+                <a:ea typeface="微軟正黑體" panose="020B0604030504040204" pitchFamily="34" charset="-120"/>
+              </a:rPr>
+              <a:t>很多東西都不開放，沒辦法個人部署、研究</a:t>
+            </a:r>
+            <a:endParaRPr lang="en-US" altLang="zh-TW" sz="3200" b="0" i="0" u="none" strike="noStrike" kern="100" baseline="0" dirty="0">
+              <a:latin typeface="微軟正黑體" panose="020B0604030504040204" pitchFamily="34" charset="-120"/>
+              <a:ea typeface="微軟正黑體" panose="020B0604030504040204" pitchFamily="34" charset="-120"/>
+            </a:endParaRPr>
+          </a:p>
+          <a:p>
+            <a:pPr marL="457200" marR="0" indent="-457200" algn="l" rtl="0">
+              <a:buFont typeface="Arial" panose="020B0604020202020204" pitchFamily="34" charset="0"/>
+              <a:buChar char="•"/>
+            </a:pPr>
+            <a:r>
+              <a:rPr lang="zh-TW" altLang="en-US" sz="3200" b="0" i="0" u="none" strike="noStrike" kern="100" baseline="0" dirty="0">
+                <a:latin typeface="微軟正黑體" panose="020B0604030504040204" pitchFamily="34" charset="-120"/>
+                <a:ea typeface="微軟正黑體" panose="020B0604030504040204" pitchFamily="34" charset="-120"/>
+              </a:rPr>
+              <a:t>開源大型語言模型的出現，</a:t>
+            </a:r>
+            <a:r>
+              <a:rPr lang="en-US" altLang="zh-TW" sz="3200" kern="100" dirty="0">
+                <a:latin typeface="微軟正黑體" panose="020B0604030504040204" pitchFamily="34" charset="-120"/>
+                <a:ea typeface="微軟正黑體" panose="020B0604030504040204" pitchFamily="34" charset="-120"/>
+              </a:rPr>
+              <a:t>Meta</a:t>
+            </a:r>
+            <a:r>
+              <a:rPr lang="zh-TW" altLang="en-US" sz="3200" kern="100" dirty="0">
+                <a:latin typeface="微軟正黑體" panose="020B0604030504040204" pitchFamily="34" charset="-120"/>
+                <a:ea typeface="微軟正黑體" panose="020B0604030504040204" pitchFamily="34" charset="-120"/>
+              </a:rPr>
+              <a:t>的</a:t>
+            </a:r>
+            <a:r>
+              <a:rPr lang="en-US" altLang="zh-TW" sz="3200" kern="100" dirty="0" err="1">
+                <a:latin typeface="微軟正黑體" panose="020B0604030504040204" pitchFamily="34" charset="-120"/>
+                <a:ea typeface="微軟正黑體" panose="020B0604030504040204" pitchFamily="34" charset="-120"/>
+              </a:rPr>
+              <a:t>LLaMA</a:t>
+            </a:r>
+            <a:endParaRPr lang="en-US" altLang="zh-TW" sz="3200" kern="100" dirty="0">
+              <a:latin typeface="微軟正黑體" panose="020B0604030504040204" pitchFamily="34" charset="-120"/>
+              <a:ea typeface="微軟正黑體" panose="020B0604030504040204" pitchFamily="34" charset="-120"/>
+            </a:endParaRPr>
+          </a:p>
+          <a:p>
+            <a:pPr marL="457200" marR="0" indent="-457200" algn="l" rtl="0">
+              <a:buFont typeface="Arial" panose="020B0604020202020204" pitchFamily="34" charset="0"/>
+              <a:buChar char="•"/>
+            </a:pPr>
+            <a:r>
+              <a:rPr lang="zh-TW" altLang="en-US" sz="3200" b="0" i="0" u="none" strike="noStrike" kern="100" baseline="0" dirty="0">
+                <a:latin typeface="微軟正黑體" panose="020B0604030504040204" pitchFamily="34" charset="-120"/>
+                <a:ea typeface="微軟正黑體" panose="020B0604030504040204" pitchFamily="34" charset="-120"/>
+              </a:rPr>
+              <a:t>以</a:t>
+            </a:r>
+            <a:r>
+              <a:rPr lang="en-US" altLang="zh-TW" sz="3200" b="0" i="0" u="none" strike="noStrike" kern="100" baseline="0" dirty="0" err="1">
+                <a:latin typeface="微軟正黑體" panose="020B0604030504040204" pitchFamily="34" charset="-120"/>
+                <a:ea typeface="微軟正黑體" panose="020B0604030504040204" pitchFamily="34" charset="-120"/>
+              </a:rPr>
+              <a:t>LLaMA</a:t>
+            </a:r>
+            <a:r>
+              <a:rPr lang="zh-TW" altLang="en-US" sz="3200" b="0" i="0" u="none" strike="noStrike" kern="100" baseline="0" dirty="0">
+                <a:latin typeface="微軟正黑體" panose="020B0604030504040204" pitchFamily="34" charset="-120"/>
+                <a:ea typeface="微軟正黑體" panose="020B0604030504040204" pitchFamily="34" charset="-120"/>
+              </a:rPr>
+              <a:t>再進行微調的其它語言模型</a:t>
+            </a:r>
+            <a:endParaRPr lang="en-US" altLang="zh-TW" sz="3200" b="0" i="0" u="none" strike="noStrike" kern="100" baseline="0" dirty="0">
+              <a:latin typeface="微軟正黑體" panose="020B0604030504040204" pitchFamily="34" charset="-120"/>
+              <a:ea typeface="微軟正黑體" panose="020B0604030504040204" pitchFamily="34" charset="-120"/>
+            </a:endParaRPr>
+          </a:p>
+          <a:p>
+            <a:pPr marL="457200" marR="0" indent="-457200" algn="l" rtl="0">
+              <a:buFont typeface="Arial" panose="020B0604020202020204" pitchFamily="34" charset="0"/>
+              <a:buChar char="•"/>
+            </a:pPr>
+            <a:r>
+              <a:rPr lang="zh-TW" altLang="en-US" sz="3200" b="0" i="0" u="none" strike="noStrike" kern="100" baseline="0" dirty="0">
+                <a:latin typeface="微軟正黑體" panose="020B0604030504040204" pitchFamily="34" charset="-120"/>
+                <a:ea typeface="微軟正黑體" panose="020B0604030504040204" pitchFamily="34" charset="-120"/>
+              </a:rPr>
+              <a:t>最著名的是</a:t>
+            </a:r>
+            <a:r>
+              <a:rPr lang="en-US" altLang="zh-TW" sz="3200" b="0" i="0" u="none" strike="noStrike" kern="100" baseline="0" dirty="0">
+                <a:latin typeface="微軟正黑體" panose="020B0604030504040204" pitchFamily="34" charset="-120"/>
+                <a:ea typeface="微軟正黑體" panose="020B0604030504040204" pitchFamily="34" charset="-120"/>
+              </a:rPr>
+              <a:t>Alpaca.cpp</a:t>
+            </a:r>
+          </a:p>
+          <a:p>
+            <a:pPr marL="457200" marR="0" indent="-457200" algn="l" rtl="0">
+              <a:buFont typeface="Arial" panose="020B0604020202020204" pitchFamily="34" charset="0"/>
+              <a:buChar char="•"/>
+            </a:pPr>
+            <a:r>
+              <a:rPr lang="zh-TW" altLang="en-US" sz="3200" b="0" i="0" u="none" strike="noStrike" kern="100" baseline="0" dirty="0">
+                <a:latin typeface="微軟正黑體" panose="020B0604030504040204" pitchFamily="34" charset="-120"/>
+                <a:ea typeface="微軟正黑體" panose="020B0604030504040204" pitchFamily="34" charset="-120"/>
+              </a:rPr>
+              <a:t>真正開源的</a:t>
+            </a:r>
+            <a:r>
+              <a:rPr lang="en-US" altLang="zh-TW" sz="3200" b="0" i="0" u="none" strike="noStrike" kern="100" baseline="0" dirty="0">
+                <a:latin typeface="微軟正黑體" panose="020B0604030504040204" pitchFamily="34" charset="-120"/>
+                <a:ea typeface="微軟正黑體" panose="020B0604030504040204" pitchFamily="34" charset="-120"/>
+              </a:rPr>
+              <a:t>Dolly 2.0</a:t>
+            </a:r>
+          </a:p>
+          <a:p>
+            <a:pPr marL="457200" marR="0" indent="-457200" algn="l" rtl="0">
+              <a:buFont typeface="Arial" panose="020B0604020202020204" pitchFamily="34" charset="0"/>
+              <a:buChar char="•"/>
+            </a:pPr>
+            <a:r>
+              <a:rPr lang="zh-TW" altLang="en-US" sz="3200" b="0" i="0" u="none" strike="noStrike" kern="100" baseline="0" dirty="0">
+                <a:latin typeface="微軟正黑體" panose="020B0604030504040204" pitchFamily="34" charset="-120"/>
+                <a:ea typeface="微軟正黑體" panose="020B0604030504040204" pitchFamily="34" charset="-120"/>
+              </a:rPr>
+              <a:t>可商用的</a:t>
+            </a:r>
+            <a:r>
+              <a:rPr lang="en-US" altLang="zh-TW" sz="3200" b="0" i="0" u="none" strike="noStrike" kern="100" baseline="0" dirty="0">
+                <a:latin typeface="微軟正黑體" panose="020B0604030504040204" pitchFamily="34" charset="-120"/>
+                <a:ea typeface="微軟正黑體" panose="020B0604030504040204" pitchFamily="34" charset="-120"/>
+              </a:rPr>
+              <a:t>Bloom(</a:t>
+            </a:r>
+            <a:r>
+              <a:rPr lang="zh-TW" altLang="en-US" sz="3200" b="0" i="0" u="none" strike="noStrike" kern="100" baseline="0" dirty="0">
+                <a:latin typeface="微軟正黑體" panose="020B0604030504040204" pitchFamily="34" charset="-120"/>
+                <a:ea typeface="微軟正黑體" panose="020B0604030504040204" pitchFamily="34" charset="-120"/>
+              </a:rPr>
+              <a:t>台達電，華碩</a:t>
+            </a:r>
+            <a:r>
+              <a:rPr lang="en-US" altLang="zh-TW" sz="3200" b="0" i="0" u="none" strike="noStrike" kern="100" baseline="0" dirty="0">
+                <a:latin typeface="微軟正黑體" panose="020B0604030504040204" pitchFamily="34" charset="-120"/>
+                <a:ea typeface="微軟正黑體" panose="020B0604030504040204" pitchFamily="34" charset="-120"/>
+              </a:rPr>
+              <a:t>)</a:t>
+            </a:r>
+          </a:p>
+          <a:p>
+            <a:pPr marL="457200" marR="0" indent="-457200" algn="l" rtl="0">
+              <a:buFont typeface="Arial" panose="020B0604020202020204" pitchFamily="34" charset="0"/>
+              <a:buChar char="•"/>
+            </a:pPr>
+            <a:r>
+              <a:rPr lang="zh-TW" altLang="en-US" sz="3200" b="0" i="0" u="none" strike="noStrike" kern="100" baseline="0" dirty="0">
+                <a:latin typeface="微軟正黑體" panose="020B0604030504040204" pitchFamily="34" charset="-120"/>
+                <a:ea typeface="微軟正黑體" panose="020B0604030504040204" pitchFamily="34" charset="-120"/>
+              </a:rPr>
+              <a:t>小巧好用的</a:t>
+            </a:r>
+            <a:r>
+              <a:rPr lang="en-US" altLang="zh-TW" sz="3200" b="0" i="0" u="none" strike="noStrike" kern="100" baseline="0" dirty="0">
+                <a:latin typeface="微軟正黑體" panose="020B0604030504040204" pitchFamily="34" charset="-120"/>
+                <a:ea typeface="微軟正黑體" panose="020B0604030504040204" pitchFamily="34" charset="-120"/>
+              </a:rPr>
+              <a:t>Vicuna</a:t>
+            </a:r>
+            <a:endParaRPr lang="zh-TW" altLang="en-US" sz="3200" b="0" i="0" u="none" strike="noStrike" kern="100" baseline="0" dirty="0">
+              <a:latin typeface="微軟正黑體" panose="020B0604030504040204" pitchFamily="34" charset="-120"/>
+              <a:ea typeface="微軟正黑體" panose="020B0604030504040204" pitchFamily="34" charset="-120"/>
+            </a:endParaRPr>
+          </a:p>
+        </p:txBody>
+      </p:sp>
+      <p:sp>
+        <p:nvSpPr>
+          <p:cNvPr id="5" name="AutoShape 2">
+            <a:extLst>
+              <a:ext uri="{FF2B5EF4-FFF2-40B4-BE49-F238E27FC236}">
+                <a16:creationId xmlns:a16="http://schemas.microsoft.com/office/drawing/2014/main" id="{D224499C-54E3-B61C-3C2E-AF193CF7D473}"/>
+              </a:ext>
+            </a:extLst>
+          </p:cNvPr>
+          <p:cNvSpPr>
+            <a:spLocks noChangeAspect="1" noChangeArrowheads="1"/>
+          </p:cNvSpPr>
+          <p:nvPr/>
+        </p:nvSpPr>
+        <p:spPr bwMode="auto">
+          <a:xfrm>
+            <a:off x="4419600" y="3276600"/>
+            <a:ext cx="304800" cy="304800"/>
+          </a:xfrm>
+          <a:prstGeom prst="rect">
+            <a:avLst/>
+          </a:prstGeom>
+          <a:noFill/>
+          <a:extLst>
+            <a:ext uri="{909E8E84-426E-40DD-AFC4-6F175D3DCCD1}">
+              <a14:hiddenFill xmlns:a14="http://schemas.microsoft.com/office/drawing/2010/main">
+                <a:solidFill>
+                  <a:srgbClr val="FFFFFF"/>
+                </a:solidFill>
+              </a14:hiddenFill>
+            </a:ext>
+          </a:extLst>
+        </p:spPr>
+        <p:txBody>
+          <a:bodyPr vert="horz" wrap="square" lIns="91440" tIns="45720" rIns="91440" bIns="45720" numCol="1" anchor="t" anchorCtr="0" compatLnSpc="1">
+            <a:prstTxWarp prst="textNoShape">
+              <a:avLst/>
+            </a:prstTxWarp>
+          </a:bodyPr>
+          <a:lstStyle/>
+          <a:p>
+            <a:endParaRPr lang="zh-TW" altLang="en-US"/>
+          </a:p>
+        </p:txBody>
+      </p:sp>
+    </p:spTree>
+    <p:extLst>
+      <p:ext uri="{BB962C8B-B14F-4D97-AF65-F5344CB8AC3E}">
+        <p14:creationId xmlns:p14="http://schemas.microsoft.com/office/powerpoint/2010/main" val="669485514"/>
+      </p:ext>
+    </p:extLst>
+  </p:cSld>
+  <p:clrMapOvr>
+    <a:masterClrMapping/>
+  </p:clrMapOvr>
+  <p:transition>
+    <p:fade/>
+  </p:transition>
+</p:sld>
+</file>
+
+<file path=ppt/slides/slide53.xml><?xml version="1.0" encoding="utf-8"?>
+<p:sld xmlns:a="http://schemas.openxmlformats.org/drawingml/2006/main" xmlns:r="http://schemas.openxmlformats.org/officeDocument/2006/relationships" xmlns:p="http://schemas.openxmlformats.org/presentationml/2006/main">
+  <p:cSld>
+    <p:spTree>
+      <p:nvGrpSpPr>
+        <p:cNvPr id="1" name=""/>
+        <p:cNvGrpSpPr/>
+        <p:nvPr/>
+      </p:nvGrpSpPr>
+      <p:grpSpPr>
+        <a:xfrm>
+          <a:off x="0" y="0"/>
+          <a:ext cx="0" cy="0"/>
+          <a:chOff x="0" y="0"/>
+          <a:chExt cx="0" cy="0"/>
+        </a:xfrm>
+      </p:grpSpPr>
+      <p:sp>
+        <p:nvSpPr>
+          <p:cNvPr id="4" name="文字版面配置區 2"/>
+          <p:cNvSpPr txBox="1">
+            <a:spLocks/>
+          </p:cNvSpPr>
+          <p:nvPr/>
+        </p:nvSpPr>
+        <p:spPr>
+          <a:xfrm>
+            <a:off x="2895600" y="206783"/>
+            <a:ext cx="3886200" cy="990600"/>
+          </a:xfrm>
+          <a:prstGeom prst="rect">
+            <a:avLst/>
+          </a:prstGeom>
+        </p:spPr>
+        <p:txBody>
+          <a:bodyPr tIns="91440" bIns="91440" anchor="b" anchorCtr="0">
+            <a:noAutofit/>
+          </a:bodyPr>
+          <a:lstStyle/>
+          <a:p>
+            <a:r>
+              <a:rPr kumimoji="1" lang="en-US" altLang="zh-TW" sz="4800" b="1" dirty="0">
+                <a:solidFill>
+                  <a:srgbClr val="00B0F0"/>
+                </a:solidFill>
+                <a:effectLst>
+                  <a:outerShdw blurRad="38100" dist="38100" dir="2700000" algn="tl">
+                    <a:srgbClr val="000000">
+                      <a:alpha val="43137"/>
+                    </a:srgbClr>
+                  </a:outerShdw>
+                </a:effectLst>
+                <a:latin typeface="微軟正黑體" panose="020B0604030504040204" pitchFamily="34" charset="-120"/>
+                <a:ea typeface="微軟正黑體" panose="020B0604030504040204" pitchFamily="34" charset="-120"/>
+                <a:cs typeface="Heiti TC Light"/>
+              </a:rPr>
+              <a:t>Vicuna</a:t>
+            </a:r>
+            <a:r>
+              <a:rPr kumimoji="1" lang="zh-TW" altLang="en-US" sz="4800" b="1" dirty="0">
+                <a:solidFill>
+                  <a:srgbClr val="00B0F0"/>
+                </a:solidFill>
+                <a:effectLst>
+                  <a:outerShdw blurRad="38100" dist="38100" dir="2700000" algn="tl">
+                    <a:srgbClr val="000000">
+                      <a:alpha val="43137"/>
+                    </a:srgbClr>
+                  </a:outerShdw>
+                </a:effectLst>
+                <a:latin typeface="微軟正黑體" panose="020B0604030504040204" pitchFamily="34" charset="-120"/>
+                <a:ea typeface="微軟正黑體" panose="020B0604030504040204" pitchFamily="34" charset="-120"/>
+                <a:cs typeface="Heiti TC Light"/>
+              </a:rPr>
+              <a:t>介紹</a:t>
+            </a:r>
+            <a:endParaRPr kumimoji="1" lang="en-US" altLang="zh-TW" sz="4800" b="1" dirty="0">
+              <a:solidFill>
+                <a:srgbClr val="00B0F0"/>
+              </a:solidFill>
+              <a:effectLst>
+                <a:outerShdw blurRad="38100" dist="38100" dir="2700000" algn="tl">
+                  <a:srgbClr val="000000">
+                    <a:alpha val="43137"/>
+                  </a:srgbClr>
+                </a:outerShdw>
+              </a:effectLst>
+              <a:latin typeface="微軟正黑體" panose="020B0604030504040204" pitchFamily="34" charset="-120"/>
+              <a:ea typeface="微軟正黑體" panose="020B0604030504040204" pitchFamily="34" charset="-120"/>
+              <a:cs typeface="Heiti TC Light"/>
+            </a:endParaRPr>
+          </a:p>
+        </p:txBody>
+      </p:sp>
+      <p:sp>
+        <p:nvSpPr>
+          <p:cNvPr id="3" name="日期版面配置區 2">
+            <a:extLst>
+              <a:ext uri="{FF2B5EF4-FFF2-40B4-BE49-F238E27FC236}">
+                <a16:creationId xmlns:a16="http://schemas.microsoft.com/office/drawing/2014/main" id="{1C536CB5-3C58-6CF1-767E-952B76F12DEE}"/>
+              </a:ext>
+            </a:extLst>
+          </p:cNvPr>
+          <p:cNvSpPr>
+            <a:spLocks noGrp="1"/>
+          </p:cNvSpPr>
+          <p:nvPr>
+            <p:ph type="dt" sz="half" idx="12"/>
+          </p:nvPr>
+        </p:nvSpPr>
+        <p:spPr/>
+        <p:txBody>
+          <a:bodyPr/>
+          <a:lstStyle/>
+          <a:p>
+            <a:fld id="{0B520B05-2240-4566-BE2A-9338980FE8EB}" type="datetime1">
+              <a:rPr kumimoji="0" lang="en-US" altLang="zh-TW" sz="1200" smtClean="0">
+                <a:solidFill>
+                  <a:schemeClr val="tx2"/>
+                </a:solidFill>
+                <a:latin typeface="Arial" panose="020B0604020202020204" pitchFamily="34" charset="0"/>
+                <a:cs typeface="Arial" panose="020B0604020202020204" pitchFamily="34" charset="0"/>
+              </a:rPr>
+              <a:t>5/22/2023</a:t>
+            </a:fld>
+            <a:endParaRPr kumimoji="0" lang="en-US" dirty="0">
+              <a:latin typeface="Arial" panose="020B0604020202020204" pitchFamily="34" charset="0"/>
+              <a:cs typeface="Arial" panose="020B0604020202020204" pitchFamily="34" charset="0"/>
+            </a:endParaRPr>
+          </a:p>
+        </p:txBody>
+      </p:sp>
+      <p:sp>
+        <p:nvSpPr>
+          <p:cNvPr id="7" name="投影片編號版面配置區 6">
+            <a:extLst>
+              <a:ext uri="{FF2B5EF4-FFF2-40B4-BE49-F238E27FC236}">
+                <a16:creationId xmlns:a16="http://schemas.microsoft.com/office/drawing/2014/main" id="{DA316F56-AF12-D872-611F-78AE7ACCBF93}"/>
+              </a:ext>
+            </a:extLst>
+          </p:cNvPr>
+          <p:cNvSpPr>
+            <a:spLocks noGrp="1"/>
+          </p:cNvSpPr>
+          <p:nvPr>
+            <p:ph type="sldNum" sz="quarter" idx="13"/>
+          </p:nvPr>
+        </p:nvSpPr>
+        <p:spPr/>
+        <p:txBody>
+          <a:bodyPr/>
+          <a:lstStyle/>
+          <a:p>
+            <a:pPr algn="r"/>
+            <a:fld id="{F99EC173-99AE-4773-AB25-02E469A13EAE}" type="slidenum">
+              <a:rPr kumimoji="0" lang="en-US" sz="1200" smtClean="0">
+                <a:solidFill>
+                  <a:schemeClr val="tx2"/>
+                </a:solidFill>
+              </a:rPr>
+              <a:pPr algn="r"/>
+              <a:t>53</a:t>
+            </a:fld>
+            <a:endParaRPr kumimoji="0" lang="en-US" dirty="0"/>
+          </a:p>
+        </p:txBody>
+      </p:sp>
+      <p:sp>
+        <p:nvSpPr>
+          <p:cNvPr id="2" name="文字方塊 1">
+            <a:extLst>
+              <a:ext uri="{FF2B5EF4-FFF2-40B4-BE49-F238E27FC236}">
+                <a16:creationId xmlns:a16="http://schemas.microsoft.com/office/drawing/2014/main" id="{F1216D9E-C86D-79CD-21E3-AD03964D87A6}"/>
+              </a:ext>
+            </a:extLst>
+          </p:cNvPr>
+          <p:cNvSpPr txBox="1"/>
+          <p:nvPr/>
+        </p:nvSpPr>
+        <p:spPr>
+          <a:xfrm>
+            <a:off x="695325" y="1560255"/>
+            <a:ext cx="7924800" cy="4031873"/>
+          </a:xfrm>
+          <a:prstGeom prst="rect">
+            <a:avLst/>
+          </a:prstGeom>
+          <a:noFill/>
+        </p:spPr>
+        <p:txBody>
+          <a:bodyPr wrap="square" rtlCol="0">
+            <a:spAutoFit/>
+          </a:bodyPr>
+          <a:lstStyle/>
+          <a:p>
+            <a:pPr marL="457200" marR="0" indent="-457200" algn="l" rtl="0">
+              <a:buFont typeface="Arial" panose="020B0604020202020204" pitchFamily="34" charset="0"/>
+              <a:buChar char="•"/>
+            </a:pPr>
+            <a:r>
+              <a:rPr lang="en-US" altLang="zh-TW" sz="3200" b="0" i="0" u="none" strike="noStrike" kern="100" baseline="0" dirty="0" err="1">
+                <a:latin typeface="微軟正黑體" panose="020B0604030504040204" pitchFamily="34" charset="-120"/>
+                <a:ea typeface="微軟正黑體" panose="020B0604030504040204" pitchFamily="34" charset="-120"/>
+              </a:rPr>
+              <a:t>FastChat</a:t>
+            </a:r>
+            <a:r>
+              <a:rPr lang="zh-TW" altLang="en-US" sz="3200" b="0" i="0" u="none" strike="noStrike" kern="100" baseline="0" dirty="0">
+                <a:latin typeface="微軟正黑體" panose="020B0604030504040204" pitchFamily="34" charset="-120"/>
+                <a:ea typeface="微軟正黑體" panose="020B0604030504040204" pitchFamily="34" charset="-120"/>
+              </a:rPr>
+              <a:t>出品</a:t>
+            </a:r>
+            <a:endParaRPr lang="en-US" altLang="zh-TW" sz="3200" b="0" i="0" u="none" strike="noStrike" kern="100" baseline="0" dirty="0">
+              <a:latin typeface="微軟正黑體" panose="020B0604030504040204" pitchFamily="34" charset="-120"/>
+              <a:ea typeface="微軟正黑體" panose="020B0604030504040204" pitchFamily="34" charset="-120"/>
+            </a:endParaRPr>
+          </a:p>
+          <a:p>
+            <a:pPr marL="457200" marR="0" indent="-457200" algn="l" rtl="0">
+              <a:buFont typeface="Arial" panose="020B0604020202020204" pitchFamily="34" charset="0"/>
+              <a:buChar char="•"/>
+            </a:pPr>
+            <a:r>
+              <a:rPr lang="zh-TW" altLang="en-US" sz="3200" b="0" i="0" u="none" strike="noStrike" kern="100" baseline="0" dirty="0">
+                <a:latin typeface="微軟正黑體" panose="020B0604030504040204" pitchFamily="34" charset="-120"/>
+                <a:ea typeface="微軟正黑體" panose="020B0604030504040204" pitchFamily="34" charset="-120"/>
+              </a:rPr>
+              <a:t>以</a:t>
+            </a:r>
+            <a:r>
+              <a:rPr lang="en-US" altLang="zh-TW" sz="3200" b="0" i="0" u="none" strike="noStrike" kern="100" baseline="0" dirty="0" err="1">
+                <a:latin typeface="微軟正黑體" panose="020B0604030504040204" pitchFamily="34" charset="-120"/>
+                <a:ea typeface="微軟正黑體" panose="020B0604030504040204" pitchFamily="34" charset="-120"/>
+              </a:rPr>
+              <a:t>LLaMA</a:t>
+            </a:r>
+            <a:r>
+              <a:rPr lang="zh-TW" altLang="en-US" sz="3200" b="0" i="0" u="none" strike="noStrike" kern="100" baseline="0" dirty="0">
+                <a:latin typeface="微軟正黑體" panose="020B0604030504040204" pitchFamily="34" charset="-120"/>
+                <a:ea typeface="微軟正黑體" panose="020B0604030504040204" pitchFamily="34" charset="-120"/>
+              </a:rPr>
+              <a:t>做了</a:t>
+            </a:r>
+            <a:r>
+              <a:rPr lang="en-US" altLang="zh-TW" sz="3200" b="0" i="0" u="none" strike="noStrike" kern="100" baseline="0" dirty="0" err="1">
+                <a:latin typeface="微軟正黑體" panose="020B0604030504040204" pitchFamily="34" charset="-120"/>
+                <a:ea typeface="微軟正黑體" panose="020B0604030504040204" pitchFamily="34" charset="-120"/>
+              </a:rPr>
+              <a:t>FineTune</a:t>
+            </a:r>
+            <a:r>
+              <a:rPr lang="zh-TW" altLang="en-US" sz="3200" b="0" i="0" u="none" strike="noStrike" kern="100" baseline="0" dirty="0">
+                <a:latin typeface="微軟正黑體" panose="020B0604030504040204" pitchFamily="34" charset="-120"/>
+                <a:ea typeface="微軟正黑體" panose="020B0604030504040204" pitchFamily="34" charset="-120"/>
+              </a:rPr>
+              <a:t>訓練</a:t>
+            </a:r>
+            <a:endParaRPr lang="en-US" altLang="zh-TW" sz="3200" b="0" i="0" u="none" strike="noStrike" kern="100" baseline="0" dirty="0">
+              <a:latin typeface="微軟正黑體" panose="020B0604030504040204" pitchFamily="34" charset="-120"/>
+              <a:ea typeface="微軟正黑體" panose="020B0604030504040204" pitchFamily="34" charset="-120"/>
+            </a:endParaRPr>
+          </a:p>
+          <a:p>
+            <a:pPr marL="457200" marR="0" indent="-457200" algn="l" rtl="0">
+              <a:buFont typeface="Arial" panose="020B0604020202020204" pitchFamily="34" charset="0"/>
+              <a:buChar char="•"/>
+            </a:pPr>
+            <a:r>
+              <a:rPr lang="zh-TW" altLang="en-US" sz="3200" b="0" i="0" u="none" strike="noStrike" kern="100" baseline="0" dirty="0">
+                <a:latin typeface="微軟正黑體" panose="020B0604030504040204" pitchFamily="34" charset="-120"/>
+                <a:ea typeface="微軟正黑體" panose="020B0604030504040204" pitchFamily="34" charset="-120"/>
+              </a:rPr>
+              <a:t>官方稱能達到</a:t>
+            </a:r>
+            <a:r>
+              <a:rPr lang="en-US" altLang="zh-TW" sz="3200" b="0" i="0" u="none" strike="noStrike" kern="100" baseline="0" dirty="0" err="1">
+                <a:latin typeface="微軟正黑體" panose="020B0604030504040204" pitchFamily="34" charset="-120"/>
+                <a:ea typeface="微軟正黑體" panose="020B0604030504040204" pitchFamily="34" charset="-120"/>
+              </a:rPr>
+              <a:t>ChatGPT</a:t>
+            </a:r>
+            <a:r>
+              <a:rPr lang="en-US" altLang="zh-TW" sz="3200" b="0" i="0" u="none" strike="noStrike" kern="100" baseline="0" dirty="0">
+                <a:latin typeface="微軟正黑體" panose="020B0604030504040204" pitchFamily="34" charset="-120"/>
+                <a:ea typeface="微軟正黑體" panose="020B0604030504040204" pitchFamily="34" charset="-120"/>
+              </a:rPr>
+              <a:t>(3.5)</a:t>
+            </a:r>
+            <a:r>
+              <a:rPr lang="zh-TW" altLang="en-US" sz="3200" b="0" i="0" u="none" strike="noStrike" kern="100" baseline="0" dirty="0">
+                <a:latin typeface="微軟正黑體" panose="020B0604030504040204" pitchFamily="34" charset="-120"/>
+                <a:ea typeface="微軟正黑體" panose="020B0604030504040204" pitchFamily="34" charset="-120"/>
+              </a:rPr>
+              <a:t>的</a:t>
+            </a:r>
+            <a:r>
+              <a:rPr lang="en-US" altLang="zh-TW" sz="3200" b="0" i="0" u="none" strike="noStrike" kern="100" baseline="0" dirty="0">
+                <a:latin typeface="微軟正黑體" panose="020B0604030504040204" pitchFamily="34" charset="-120"/>
+                <a:ea typeface="微軟正黑體" panose="020B0604030504040204" pitchFamily="34" charset="-120"/>
+              </a:rPr>
+              <a:t>90%</a:t>
+            </a:r>
+            <a:r>
+              <a:rPr lang="zh-TW" altLang="en-US" sz="3200" b="0" i="0" u="none" strike="noStrike" kern="100" baseline="0" dirty="0">
+                <a:latin typeface="微軟正黑體" panose="020B0604030504040204" pitchFamily="34" charset="-120"/>
+                <a:ea typeface="微軟正黑體" panose="020B0604030504040204" pitchFamily="34" charset="-120"/>
+              </a:rPr>
+              <a:t>能力</a:t>
+            </a:r>
+            <a:endParaRPr lang="en-US" altLang="zh-TW" sz="3200" b="0" i="0" u="none" strike="noStrike" kern="100" baseline="0" dirty="0">
+              <a:latin typeface="微軟正黑體" panose="020B0604030504040204" pitchFamily="34" charset="-120"/>
+              <a:ea typeface="微軟正黑體" panose="020B0604030504040204" pitchFamily="34" charset="-120"/>
+            </a:endParaRPr>
+          </a:p>
+          <a:p>
+            <a:pPr marL="457200" marR="0" indent="-457200" algn="l" rtl="0">
+              <a:buFont typeface="Arial" panose="020B0604020202020204" pitchFamily="34" charset="0"/>
+              <a:buChar char="•"/>
+            </a:pPr>
+            <a:r>
+              <a:rPr lang="en-US" altLang="zh-TW" sz="3200" b="0" i="0" u="none" strike="noStrike" kern="100" baseline="0" dirty="0">
+                <a:latin typeface="微軟正黑體" panose="020B0604030504040204" pitchFamily="34" charset="-120"/>
+                <a:ea typeface="微軟正黑體" panose="020B0604030504040204" pitchFamily="34" charset="-120"/>
+                <a:hlinkClick r:id="rId3"/>
+              </a:rPr>
+              <a:t>https://chat.lmsys.org/</a:t>
+            </a:r>
+            <a:endParaRPr lang="en-US" altLang="zh-TW" sz="3200" kern="100" dirty="0">
+              <a:latin typeface="微軟正黑體" panose="020B0604030504040204" pitchFamily="34" charset="-120"/>
+              <a:ea typeface="微軟正黑體" panose="020B0604030504040204" pitchFamily="34" charset="-120"/>
+            </a:endParaRPr>
+          </a:p>
+          <a:p>
+            <a:pPr marL="457200" marR="0" indent="-457200" algn="l" rtl="0">
+              <a:buFont typeface="Arial" panose="020B0604020202020204" pitchFamily="34" charset="0"/>
+              <a:buChar char="•"/>
+            </a:pPr>
+            <a:r>
+              <a:rPr lang="zh-TW" altLang="en-US" sz="3200" b="0" i="0" u="none" strike="noStrike" kern="100" baseline="0" dirty="0">
+                <a:latin typeface="微軟正黑體" panose="020B0604030504040204" pitchFamily="34" charset="-120"/>
+                <a:ea typeface="微軟正黑體" panose="020B0604030504040204" pitchFamily="34" charset="-120"/>
+              </a:rPr>
+              <a:t>在</a:t>
+            </a:r>
+            <a:r>
+              <a:rPr lang="en-US" altLang="zh-TW" sz="3200" b="0" i="0" u="none" strike="noStrike" kern="100" baseline="0" dirty="0">
+                <a:latin typeface="微軟正黑體" panose="020B0604030504040204" pitchFamily="34" charset="-120"/>
+                <a:ea typeface="微軟正黑體" panose="020B0604030504040204" pitchFamily="34" charset="-120"/>
+              </a:rPr>
+              <a:t>Windows</a:t>
+            </a:r>
+            <a:r>
+              <a:rPr lang="zh-TW" altLang="en-US" sz="3200" b="0" i="0" u="none" strike="noStrike" kern="100" baseline="0" dirty="0">
+                <a:latin typeface="微軟正黑體" panose="020B0604030504040204" pitchFamily="34" charset="-120"/>
+                <a:ea typeface="微軟正黑體" panose="020B0604030504040204" pitchFamily="34" charset="-120"/>
+              </a:rPr>
+              <a:t>上自架</a:t>
+            </a:r>
+            <a:r>
+              <a:rPr lang="en-US" altLang="zh-TW" sz="3200" b="0" i="0" u="none" strike="noStrike" kern="100" baseline="0" dirty="0">
+                <a:latin typeface="微軟正黑體" panose="020B0604030504040204" pitchFamily="34" charset="-120"/>
+                <a:ea typeface="微軟正黑體" panose="020B0604030504040204" pitchFamily="34" charset="-120"/>
+              </a:rPr>
+              <a:t>Vicuna</a:t>
+            </a:r>
+            <a:r>
+              <a:rPr lang="zh-TW" altLang="en-US" sz="3200" b="0" i="0" u="none" strike="noStrike" kern="100" baseline="0" dirty="0">
+                <a:latin typeface="微軟正黑體" panose="020B0604030504040204" pitchFamily="34" charset="-120"/>
+                <a:ea typeface="微軟正黑體" panose="020B0604030504040204" pitchFamily="34" charset="-120"/>
+              </a:rPr>
+              <a:t>產品</a:t>
+            </a:r>
+            <a:endParaRPr lang="en-US" altLang="zh-TW" sz="3200" b="0" i="0" u="none" strike="noStrike" kern="100" baseline="0" dirty="0">
+              <a:latin typeface="微軟正黑體" panose="020B0604030504040204" pitchFamily="34" charset="-120"/>
+              <a:ea typeface="微軟正黑體" panose="020B0604030504040204" pitchFamily="34" charset="-120"/>
+            </a:endParaRPr>
+          </a:p>
+          <a:p>
+            <a:pPr marL="457200" marR="0" indent="-457200" algn="l" rtl="0">
+              <a:buFont typeface="Arial" panose="020B0604020202020204" pitchFamily="34" charset="0"/>
+              <a:buChar char="•"/>
+            </a:pPr>
+            <a:r>
+              <a:rPr lang="zh-TW" altLang="en-US" sz="3200" b="0" i="0" u="none" strike="noStrike" kern="100" baseline="0" dirty="0">
+                <a:latin typeface="微軟正黑體" panose="020B0604030504040204" pitchFamily="34" charset="-120"/>
+                <a:ea typeface="微軟正黑體" panose="020B0604030504040204" pitchFamily="34" charset="-120"/>
+              </a:rPr>
+              <a:t>使用</a:t>
+            </a:r>
+            <a:r>
+              <a:rPr lang="en-US" altLang="zh-TW" sz="3200" b="0" i="0" u="none" strike="noStrike" kern="100" baseline="0" dirty="0">
+                <a:latin typeface="微軟正黑體" panose="020B0604030504040204" pitchFamily="34" charset="-120"/>
+                <a:ea typeface="微軟正黑體" panose="020B0604030504040204" pitchFamily="34" charset="-120"/>
+              </a:rPr>
+              <a:t>oobabooga_windows.zip</a:t>
+            </a:r>
+          </a:p>
+          <a:p>
+            <a:pPr marL="457200" marR="0" indent="-457200" algn="l" rtl="0">
+              <a:buFont typeface="Arial" panose="020B0604020202020204" pitchFamily="34" charset="0"/>
+              <a:buChar char="•"/>
+            </a:pPr>
+            <a:r>
+              <a:rPr lang="en-US" altLang="zh-TW" sz="3200" b="0" i="0" u="none" strike="noStrike" kern="100" baseline="0" dirty="0">
+                <a:latin typeface="微軟正黑體" panose="020B0604030504040204" pitchFamily="34" charset="-120"/>
+                <a:ea typeface="微軟正黑體" panose="020B0604030504040204" pitchFamily="34" charset="-120"/>
+                <a:hlinkClick r:id="rId4"/>
+              </a:rPr>
+              <a:t>http://127.0.0.1:7860/</a:t>
+            </a:r>
+            <a:endParaRPr lang="en-US" altLang="zh-TW" sz="3200" kern="100" dirty="0">
+              <a:latin typeface="微軟正黑體" panose="020B0604030504040204" pitchFamily="34" charset="-120"/>
+              <a:ea typeface="微軟正黑體" panose="020B0604030504040204" pitchFamily="34" charset="-120"/>
+            </a:endParaRPr>
+          </a:p>
+          <a:p>
+            <a:pPr marL="457200" marR="0" indent="-457200" algn="l" rtl="0">
+              <a:buFont typeface="Arial" panose="020B0604020202020204" pitchFamily="34" charset="0"/>
+              <a:buChar char="•"/>
+            </a:pPr>
+            <a:endParaRPr lang="zh-TW" altLang="en-US" sz="3200" b="0" i="0" u="none" strike="noStrike" kern="100" baseline="0" dirty="0">
+              <a:latin typeface="微軟正黑體" panose="020B0604030504040204" pitchFamily="34" charset="-120"/>
+              <a:ea typeface="微軟正黑體" panose="020B0604030504040204" pitchFamily="34" charset="-120"/>
+            </a:endParaRPr>
+          </a:p>
+        </p:txBody>
+      </p:sp>
+      <p:sp>
+        <p:nvSpPr>
+          <p:cNvPr id="5" name="AutoShape 2">
+            <a:extLst>
+              <a:ext uri="{FF2B5EF4-FFF2-40B4-BE49-F238E27FC236}">
+                <a16:creationId xmlns:a16="http://schemas.microsoft.com/office/drawing/2014/main" id="{D224499C-54E3-B61C-3C2E-AF193CF7D473}"/>
+              </a:ext>
+            </a:extLst>
+          </p:cNvPr>
+          <p:cNvSpPr>
+            <a:spLocks noChangeAspect="1" noChangeArrowheads="1"/>
+          </p:cNvSpPr>
+          <p:nvPr/>
+        </p:nvSpPr>
+        <p:spPr bwMode="auto">
+          <a:xfrm>
+            <a:off x="4419600" y="3276600"/>
+            <a:ext cx="304800" cy="304800"/>
+          </a:xfrm>
+          <a:prstGeom prst="rect">
+            <a:avLst/>
+          </a:prstGeom>
+          <a:noFill/>
+          <a:extLst>
+            <a:ext uri="{909E8E84-426E-40DD-AFC4-6F175D3DCCD1}">
+              <a14:hiddenFill xmlns:a14="http://schemas.microsoft.com/office/drawing/2010/main">
+                <a:solidFill>
+                  <a:srgbClr val="FFFFFF"/>
+                </a:solidFill>
+              </a14:hiddenFill>
+            </a:ext>
+          </a:extLst>
+        </p:spPr>
+        <p:txBody>
+          <a:bodyPr vert="horz" wrap="square" lIns="91440" tIns="45720" rIns="91440" bIns="45720" numCol="1" anchor="t" anchorCtr="0" compatLnSpc="1">
+            <a:prstTxWarp prst="textNoShape">
+              <a:avLst/>
+            </a:prstTxWarp>
+          </a:bodyPr>
+          <a:lstStyle/>
+          <a:p>
+            <a:endParaRPr lang="zh-TW" altLang="en-US"/>
+          </a:p>
+        </p:txBody>
+      </p:sp>
+    </p:spTree>
+    <p:extLst>
+      <p:ext uri="{BB962C8B-B14F-4D97-AF65-F5344CB8AC3E}">
+        <p14:creationId xmlns:p14="http://schemas.microsoft.com/office/powerpoint/2010/main" val="246746658"/>
       </p:ext>
     </p:extLst>
   </p:cSld>
@@ -27482,7 +29226,7 @@
                 <a:latin typeface="Arial" panose="020B0604020202020204" pitchFamily="34" charset="0"/>
                 <a:cs typeface="Arial" panose="020B0604020202020204" pitchFamily="34" charset="0"/>
               </a:rPr>
-              <a:t>5/14/2023</a:t>
+              <a:t>5/22/2023</a:t>
             </a:fld>
             <a:endParaRPr kumimoji="0" lang="en-US" dirty="0">
               <a:latin typeface="Arial" panose="020B0604020202020204" pitchFamily="34" charset="0"/>
@@ -27712,7 +29456,7 @@
                 <a:latin typeface="Arial" panose="020B0604020202020204" pitchFamily="34" charset="0"/>
                 <a:cs typeface="Arial" panose="020B0604020202020204" pitchFamily="34" charset="0"/>
               </a:rPr>
-              <a:t>5/14/2023</a:t>
+              <a:t>5/22/2023</a:t>
             </a:fld>
             <a:endParaRPr kumimoji="0" lang="en-US" dirty="0">
               <a:latin typeface="Arial" panose="020B0604020202020204" pitchFamily="34" charset="0"/>
@@ -27925,7 +29669,7 @@
                 <a:latin typeface="Arial" panose="020B0604020202020204" pitchFamily="34" charset="0"/>
                 <a:cs typeface="Arial" panose="020B0604020202020204" pitchFamily="34" charset="0"/>
               </a:rPr>
-              <a:t>5/14/2023</a:t>
+              <a:t>5/22/2023</a:t>
             </a:fld>
             <a:endParaRPr kumimoji="0" lang="en-US" dirty="0">
               <a:latin typeface="Arial" panose="020B0604020202020204" pitchFamily="34" charset="0"/>
@@ -28215,7 +29959,7 @@
                 <a:latin typeface="Arial" panose="020B0604020202020204" pitchFamily="34" charset="0"/>
                 <a:cs typeface="Arial" panose="020B0604020202020204" pitchFamily="34" charset="0"/>
               </a:rPr>
-              <a:t>5/14/2023</a:t>
+              <a:t>5/22/2023</a:t>
             </a:fld>
             <a:endParaRPr kumimoji="0" lang="en-US" dirty="0">
               <a:latin typeface="Arial" panose="020B0604020202020204" pitchFamily="34" charset="0"/>
